--- a/lab5 task1/Problem Statement.pptx
+++ b/lab5 task1/Problem Statement.pptx
@@ -6201,7 +6201,7 @@
         <p:spPr>
           <a:xfrm>
             <a:off x="9002487" y="0"/>
-            <a:ext cx="3189514" cy="6892913"/>
+            <a:ext cx="3189514" cy="6915996"/>
           </a:xfrm>
           <a:prstGeom prst="rect">
             <a:avLst/>
@@ -6223,7 +6223,7 @@
               <a:buNone/>
             </a:pPr>
             <a:r>
-              <a:rPr lang="en-US" sz="700" b="0" dirty="0">
+              <a:rPr lang="en-US" sz="1400" b="0" dirty="0">
                 <a:solidFill>
                   <a:srgbClr val="569CD6"/>
                 </a:solidFill>
@@ -6233,7 +6233,7 @@
               <a:t>bool</a:t>
             </a:r>
             <a:r>
-              <a:rPr lang="en-US" sz="700" b="0" dirty="0">
+              <a:rPr lang="en-US" sz="1400" b="0" dirty="0">
                 <a:solidFill>
                   <a:srgbClr val="D4D4D4"/>
                 </a:solidFill>
@@ -6243,7 +6243,7 @@
               <a:t> </a:t>
             </a:r>
             <a:r>
-              <a:rPr lang="en-US" sz="700" b="0" dirty="0" err="1">
+              <a:rPr lang="en-US" sz="1400" b="0" dirty="0" err="1">
                 <a:solidFill>
                   <a:srgbClr val="C8C8C8"/>
                 </a:solidFill>
@@ -6253,7 +6253,7 @@
               <a:t>RemoveStudentById</a:t>
             </a:r>
             <a:r>
-              <a:rPr lang="en-US" sz="700" b="0" dirty="0">
+              <a:rPr lang="en-US" sz="1400" b="0" dirty="0">
                 <a:solidFill>
                   <a:srgbClr val="D4D4D4"/>
                 </a:solidFill>
@@ -6263,7 +6263,7 @@
               <a:t>(</a:t>
             </a:r>
             <a:r>
-              <a:rPr lang="en-US" sz="700" b="0" dirty="0">
+              <a:rPr lang="en-US" sz="1400" b="0" dirty="0">
                 <a:solidFill>
                   <a:srgbClr val="569CD6"/>
                 </a:solidFill>
@@ -6273,7 +6273,7 @@
               <a:t>int</a:t>
             </a:r>
             <a:r>
-              <a:rPr lang="en-US" sz="700" b="0" dirty="0">
+              <a:rPr lang="en-US" sz="1400" b="0" dirty="0">
                 <a:solidFill>
                   <a:srgbClr val="D4D4D4"/>
                 </a:solidFill>
@@ -6283,7 +6283,7 @@
               <a:t> </a:t>
             </a:r>
             <a:r>
-              <a:rPr lang="en-US" sz="700" b="0" dirty="0">
+              <a:rPr lang="en-US" sz="1400" b="0" dirty="0">
                 <a:solidFill>
                   <a:srgbClr val="7F7F7F"/>
                 </a:solidFill>
@@ -6293,7 +6293,7 @@
               <a:t>Id</a:t>
             </a:r>
             <a:r>
-              <a:rPr lang="en-US" sz="700" b="0" dirty="0">
+              <a:rPr lang="en-US" sz="1400" b="0" dirty="0">
                 <a:solidFill>
                   <a:srgbClr val="D4D4D4"/>
                 </a:solidFill>
@@ -6303,7 +6303,7 @@
               <a:t>) {</a:t>
             </a:r>
             <a:r>
-              <a:rPr lang="en-US" sz="700" b="0" dirty="0">
+              <a:rPr lang="en-US" sz="1400" b="0" dirty="0">
                 <a:solidFill>
                   <a:srgbClr val="6A9955"/>
                 </a:solidFill>
@@ -6312,7 +6312,7 @@
               </a:rPr>
               <a:t>// tick</a:t>
             </a:r>
-            <a:endParaRPr lang="en-US" sz="700" b="0" dirty="0">
+            <a:endParaRPr lang="en-US" sz="1400" b="0" dirty="0">
               <a:solidFill>
                 <a:srgbClr val="D4D4D4"/>
               </a:solidFill>
@@ -6328,7 +6328,7 @@
               <a:buNone/>
             </a:pPr>
             <a:r>
-              <a:rPr lang="en-US" sz="700" b="0" dirty="0">
+              <a:rPr lang="en-US" sz="1400" b="0" dirty="0">
                 <a:solidFill>
                   <a:srgbClr val="D4D4D4"/>
                 </a:solidFill>
@@ -6338,7 +6338,7 @@
               <a:t>        </a:t>
             </a:r>
             <a:r>
-              <a:rPr lang="en-US" sz="700" b="0" dirty="0">
+              <a:rPr lang="en-US" sz="1400" b="0" dirty="0">
                 <a:solidFill>
                   <a:srgbClr val="569CD6"/>
                 </a:solidFill>
@@ -6348,7 +6348,7 @@
               <a:t>if</a:t>
             </a:r>
             <a:r>
-              <a:rPr lang="en-US" sz="700" b="0" dirty="0">
+              <a:rPr lang="en-US" sz="1400" b="0" dirty="0">
                 <a:solidFill>
                   <a:srgbClr val="D4D4D4"/>
                 </a:solidFill>
@@ -6358,7 +6358,7 @@
               <a:t> (</a:t>
             </a:r>
             <a:r>
-              <a:rPr lang="en-US" sz="700" b="0" dirty="0">
+              <a:rPr lang="en-US" sz="1400" b="0" dirty="0">
                 <a:solidFill>
                   <a:srgbClr val="DADADA"/>
                 </a:solidFill>
@@ -6368,7 +6368,7 @@
               <a:t>head</a:t>
             </a:r>
             <a:r>
-              <a:rPr lang="en-US" sz="700" b="0" dirty="0">
+              <a:rPr lang="en-US" sz="1400" b="0" dirty="0">
                 <a:solidFill>
                   <a:srgbClr val="D4D4D4"/>
                 </a:solidFill>
@@ -6378,7 +6378,7 @@
               <a:t> == </a:t>
             </a:r>
             <a:r>
-              <a:rPr lang="en-US" sz="700" b="0" dirty="0" err="1">
+              <a:rPr lang="en-US" sz="1400" b="0" dirty="0" err="1">
                 <a:solidFill>
                   <a:srgbClr val="569CD6"/>
                 </a:solidFill>
@@ -6388,7 +6388,7 @@
               <a:t>nullptr</a:t>
             </a:r>
             <a:r>
-              <a:rPr lang="en-US" sz="700" b="0" dirty="0">
+              <a:rPr lang="en-US" sz="1400" b="0" dirty="0">
                 <a:solidFill>
                   <a:srgbClr val="D4D4D4"/>
                 </a:solidFill>
@@ -6406,7 +6406,7 @@
               <a:buNone/>
             </a:pPr>
             <a:r>
-              <a:rPr lang="en-US" sz="700" b="0" dirty="0">
+              <a:rPr lang="en-US" sz="1400" b="0" dirty="0">
                 <a:solidFill>
                   <a:srgbClr val="D4D4D4"/>
                 </a:solidFill>
@@ -6416,7 +6416,7 @@
               <a:t>            </a:t>
             </a:r>
             <a:r>
-              <a:rPr lang="en-US" sz="700" b="0" dirty="0" err="1">
+              <a:rPr lang="en-US" sz="1400" b="0" dirty="0" err="1">
                 <a:solidFill>
                   <a:srgbClr val="C8C8C8"/>
                 </a:solidFill>
@@ -6426,7 +6426,7 @@
               <a:t>cout</a:t>
             </a:r>
             <a:r>
-              <a:rPr lang="en-US" sz="700" b="0" dirty="0">
+              <a:rPr lang="en-US" sz="1400" b="0" dirty="0">
                 <a:solidFill>
                   <a:srgbClr val="D4D4D4"/>
                 </a:solidFill>
@@ -6436,7 +6436,7 @@
               <a:t> </a:t>
             </a:r>
             <a:r>
-              <a:rPr lang="en-US" sz="700" b="0" dirty="0">
+              <a:rPr lang="en-US" sz="1400" b="0" dirty="0">
                 <a:solidFill>
                   <a:srgbClr val="B4B4B4"/>
                 </a:solidFill>
@@ -6446,7 +6446,7 @@
               <a:t>&lt;&lt;</a:t>
             </a:r>
             <a:r>
-              <a:rPr lang="en-US" sz="700" b="0" dirty="0">
+              <a:rPr lang="en-US" sz="1400" b="0" dirty="0">
                 <a:solidFill>
                   <a:srgbClr val="D4D4D4"/>
                 </a:solidFill>
@@ -6456,7 +6456,7 @@
               <a:t> </a:t>
             </a:r>
             <a:r>
-              <a:rPr lang="en-US" sz="700" b="0" dirty="0">
+              <a:rPr lang="en-US" sz="1400" b="0" dirty="0">
                 <a:solidFill>
                   <a:srgbClr val="CE9178"/>
                 </a:solidFill>
@@ -6466,7 +6466,7 @@
               <a:t>"queue is empty.\n"</a:t>
             </a:r>
             <a:r>
-              <a:rPr lang="en-US" sz="700" b="0" dirty="0">
+              <a:rPr lang="en-US" sz="1400" b="0" dirty="0">
                 <a:solidFill>
                   <a:srgbClr val="D4D4D4"/>
                 </a:solidFill>
@@ -6484,7 +6484,7 @@
               <a:buNone/>
             </a:pPr>
             <a:r>
-              <a:rPr lang="en-US" sz="700" b="0" dirty="0">
+              <a:rPr lang="en-US" sz="1400" b="0" dirty="0">
                 <a:solidFill>
                   <a:srgbClr val="D4D4D4"/>
                 </a:solidFill>
@@ -6494,7 +6494,7 @@
               <a:t>            </a:t>
             </a:r>
             <a:r>
-              <a:rPr lang="en-US" sz="700" b="0" dirty="0">
+              <a:rPr lang="en-US" sz="1400" b="0" dirty="0">
                 <a:solidFill>
                   <a:srgbClr val="569CD6"/>
                 </a:solidFill>
@@ -6504,7 +6504,7 @@
               <a:t>return</a:t>
             </a:r>
             <a:r>
-              <a:rPr lang="en-US" sz="700" b="0" dirty="0">
+              <a:rPr lang="en-US" sz="1400" b="0" dirty="0">
                 <a:solidFill>
                   <a:srgbClr val="D4D4D4"/>
                 </a:solidFill>
@@ -6514,7 +6514,7 @@
               <a:t> </a:t>
             </a:r>
             <a:r>
-              <a:rPr lang="en-US" sz="700" b="0" dirty="0">
+              <a:rPr lang="en-US" sz="1400" b="0" dirty="0">
                 <a:solidFill>
                   <a:srgbClr val="569CD6"/>
                 </a:solidFill>
@@ -6524,7 +6524,7 @@
               <a:t>false</a:t>
             </a:r>
             <a:r>
-              <a:rPr lang="en-US" sz="700" b="0" dirty="0">
+              <a:rPr lang="en-US" sz="1400" b="0" dirty="0">
                 <a:solidFill>
                   <a:srgbClr val="D4D4D4"/>
                 </a:solidFill>
@@ -6542,7 +6542,7 @@
               <a:buNone/>
             </a:pPr>
             <a:r>
-              <a:rPr lang="en-US" sz="700" b="0" dirty="0">
+              <a:rPr lang="en-US" sz="1400" b="0" dirty="0">
                 <a:solidFill>
                   <a:srgbClr val="D4D4D4"/>
                 </a:solidFill>
@@ -6560,7 +6560,7 @@
               <a:buNone/>
             </a:pPr>
             <a:r>
-              <a:rPr lang="en-US" sz="700" b="0" dirty="0">
+              <a:rPr lang="en-US" sz="1400" b="0" dirty="0">
                 <a:solidFill>
                   <a:srgbClr val="D4D4D4"/>
                 </a:solidFill>
@@ -6570,7 +6570,7 @@
               <a:t>        </a:t>
             </a:r>
             <a:r>
-              <a:rPr lang="en-US" sz="700" b="0" dirty="0">
+              <a:rPr lang="en-US" sz="1400" b="0" dirty="0">
                 <a:solidFill>
                   <a:srgbClr val="4EC9B0"/>
                 </a:solidFill>
@@ -6580,7 +6580,7 @@
               <a:t>Node</a:t>
             </a:r>
             <a:r>
-              <a:rPr lang="en-US" sz="700" b="0" dirty="0">
+              <a:rPr lang="en-US" sz="1400" b="0" dirty="0">
                 <a:solidFill>
                   <a:srgbClr val="569CD6"/>
                 </a:solidFill>
@@ -6590,7 +6590,7 @@
               <a:t>*</a:t>
             </a:r>
             <a:r>
-              <a:rPr lang="en-US" sz="700" b="0" dirty="0">
+              <a:rPr lang="en-US" sz="1400" b="0" dirty="0">
                 <a:solidFill>
                   <a:srgbClr val="D4D4D4"/>
                 </a:solidFill>
@@ -6600,7 +6600,7 @@
               <a:t> </a:t>
             </a:r>
             <a:r>
-              <a:rPr lang="en-US" sz="700" b="0" dirty="0">
+              <a:rPr lang="en-US" sz="1400" b="0" dirty="0">
                 <a:solidFill>
                   <a:srgbClr val="C8C8C8"/>
                 </a:solidFill>
@@ -6610,7 +6610,7 @@
               <a:t>temp</a:t>
             </a:r>
             <a:r>
-              <a:rPr lang="en-US" sz="700" b="0" dirty="0">
+              <a:rPr lang="en-US" sz="1400" b="0" dirty="0">
                 <a:solidFill>
                   <a:srgbClr val="D4D4D4"/>
                 </a:solidFill>
@@ -6620,7 +6620,7 @@
               <a:t> = </a:t>
             </a:r>
             <a:r>
-              <a:rPr lang="en-US" sz="700" b="0" dirty="0">
+              <a:rPr lang="en-US" sz="1400" b="0" dirty="0">
                 <a:solidFill>
                   <a:srgbClr val="DADADA"/>
                 </a:solidFill>
@@ -6630,7 +6630,7 @@
               <a:t>head</a:t>
             </a:r>
             <a:r>
-              <a:rPr lang="en-US" sz="700" b="0" dirty="0">
+              <a:rPr lang="en-US" sz="1400" b="0" dirty="0">
                 <a:solidFill>
                   <a:srgbClr val="D4D4D4"/>
                 </a:solidFill>
@@ -6648,7 +6648,7 @@
               <a:buNone/>
             </a:pPr>
             <a:r>
-              <a:rPr lang="en-US" sz="700" b="0" dirty="0">
+              <a:rPr lang="en-US" sz="1400" b="0" dirty="0">
                 <a:solidFill>
                   <a:srgbClr val="D4D4D4"/>
                 </a:solidFill>
@@ -6658,7 +6658,7 @@
               <a:t>        </a:t>
             </a:r>
             <a:r>
-              <a:rPr lang="en-US" sz="700" b="0" dirty="0">
+              <a:rPr lang="en-US" sz="1400" b="0" dirty="0">
                 <a:solidFill>
                   <a:srgbClr val="569CD6"/>
                 </a:solidFill>
@@ -6668,7 +6668,7 @@
               <a:t>if</a:t>
             </a:r>
             <a:r>
-              <a:rPr lang="en-US" sz="700" b="0" dirty="0">
+              <a:rPr lang="en-US" sz="1400" b="0" dirty="0">
                 <a:solidFill>
                   <a:srgbClr val="D4D4D4"/>
                 </a:solidFill>
@@ -6678,7 +6678,7 @@
               <a:t> (</a:t>
             </a:r>
             <a:r>
-              <a:rPr lang="en-US" sz="700" b="0" dirty="0">
+              <a:rPr lang="en-US" sz="1400" b="0" dirty="0">
                 <a:solidFill>
                   <a:srgbClr val="DADADA"/>
                 </a:solidFill>
@@ -6688,7 +6688,7 @@
               <a:t>head</a:t>
             </a:r>
             <a:r>
-              <a:rPr lang="en-US" sz="700" b="0" dirty="0">
+              <a:rPr lang="en-US" sz="1400" b="0" dirty="0">
                 <a:solidFill>
                   <a:srgbClr val="D4D4D4"/>
                 </a:solidFill>
@@ -6698,7 +6698,7 @@
               <a:t>-&gt;</a:t>
             </a:r>
             <a:r>
-              <a:rPr lang="en-US" sz="700" b="0" dirty="0">
+              <a:rPr lang="en-US" sz="1400" b="0" dirty="0">
                 <a:solidFill>
                   <a:srgbClr val="DADADA"/>
                 </a:solidFill>
@@ -6708,7 +6708,7 @@
               <a:t>id</a:t>
             </a:r>
             <a:r>
-              <a:rPr lang="en-US" sz="700" b="0" dirty="0">
+              <a:rPr lang="en-US" sz="1400" b="0" dirty="0">
                 <a:solidFill>
                   <a:srgbClr val="D4D4D4"/>
                 </a:solidFill>
@@ -6718,7 +6718,7 @@
               <a:t> == </a:t>
             </a:r>
             <a:r>
-              <a:rPr lang="en-US" sz="700" b="0" dirty="0">
+              <a:rPr lang="en-US" sz="1400" b="0" dirty="0">
                 <a:solidFill>
                   <a:srgbClr val="7F7F7F"/>
                 </a:solidFill>
@@ -6728,7 +6728,7 @@
               <a:t>Id</a:t>
             </a:r>
             <a:r>
-              <a:rPr lang="en-US" sz="700" b="0" dirty="0">
+              <a:rPr lang="en-US" sz="1400" b="0" dirty="0">
                 <a:solidFill>
                   <a:srgbClr val="D4D4D4"/>
                 </a:solidFill>
@@ -6738,7 +6738,7 @@
               <a:t>) {</a:t>
             </a:r>
             <a:r>
-              <a:rPr lang="en-US" sz="700" b="0" dirty="0">
+              <a:rPr lang="en-US" sz="1400" b="0" dirty="0">
                 <a:solidFill>
                   <a:srgbClr val="6A9955"/>
                 </a:solidFill>
@@ -6747,7 +6747,7 @@
               </a:rPr>
               <a:t>//start</a:t>
             </a:r>
-            <a:endParaRPr lang="en-US" sz="700" b="0" dirty="0">
+            <a:endParaRPr lang="en-US" sz="1400" b="0" dirty="0">
               <a:solidFill>
                 <a:srgbClr val="D4D4D4"/>
               </a:solidFill>
@@ -6763,7 +6763,7 @@
               <a:buNone/>
             </a:pPr>
             <a:r>
-              <a:rPr lang="en-US" sz="700" b="0" dirty="0">
+              <a:rPr lang="en-US" sz="1400" b="0" dirty="0">
                 <a:solidFill>
                   <a:srgbClr val="D4D4D4"/>
                 </a:solidFill>
@@ -6781,7 +6781,7 @@
               <a:buNone/>
             </a:pPr>
             <a:r>
-              <a:rPr lang="en-US" sz="700" b="0" dirty="0">
+              <a:rPr lang="en-US" sz="1400" b="0" dirty="0">
                 <a:solidFill>
                   <a:srgbClr val="D4D4D4"/>
                 </a:solidFill>
@@ -6791,7 +6791,7 @@
               <a:t>            </a:t>
             </a:r>
             <a:r>
-              <a:rPr lang="en-US" sz="700" b="0" dirty="0">
+              <a:rPr lang="en-US" sz="1400" b="0" dirty="0">
                 <a:solidFill>
                   <a:srgbClr val="DADADA"/>
                 </a:solidFill>
@@ -6801,7 +6801,7 @@
               <a:t>head</a:t>
             </a:r>
             <a:r>
-              <a:rPr lang="en-US" sz="700" b="0" dirty="0">
+              <a:rPr lang="en-US" sz="1400" b="0" dirty="0">
                 <a:solidFill>
                   <a:srgbClr val="D4D4D4"/>
                 </a:solidFill>
@@ -6811,7 +6811,7 @@
               <a:t> = </a:t>
             </a:r>
             <a:r>
-              <a:rPr lang="en-US" sz="700" b="0" dirty="0">
+              <a:rPr lang="en-US" sz="1400" b="0" dirty="0">
                 <a:solidFill>
                   <a:srgbClr val="DADADA"/>
                 </a:solidFill>
@@ -6821,7 +6821,7 @@
               <a:t>head</a:t>
             </a:r>
             <a:r>
-              <a:rPr lang="en-US" sz="700" b="0" dirty="0">
+              <a:rPr lang="en-US" sz="1400" b="0" dirty="0">
                 <a:solidFill>
                   <a:srgbClr val="D4D4D4"/>
                 </a:solidFill>
@@ -6831,7 +6831,7 @@
               <a:t>-&gt;</a:t>
             </a:r>
             <a:r>
-              <a:rPr lang="en-US" sz="700" b="0" dirty="0">
+              <a:rPr lang="en-US" sz="1400" b="0" dirty="0">
                 <a:solidFill>
                   <a:srgbClr val="DADADA"/>
                 </a:solidFill>
@@ -6841,7 +6841,7 @@
               <a:t>next</a:t>
             </a:r>
             <a:r>
-              <a:rPr lang="en-US" sz="700" b="0" dirty="0">
+              <a:rPr lang="en-US" sz="1400" b="0" dirty="0">
                 <a:solidFill>
                   <a:srgbClr val="D4D4D4"/>
                 </a:solidFill>
@@ -6859,7 +6859,7 @@
               <a:buNone/>
             </a:pPr>
             <a:r>
-              <a:rPr lang="en-US" sz="700" b="0" dirty="0">
+              <a:rPr lang="en-US" sz="1400" b="0" dirty="0">
                 <a:solidFill>
                   <a:srgbClr val="D4D4D4"/>
                 </a:solidFill>
@@ -6869,7 +6869,7 @@
               <a:t>            </a:t>
             </a:r>
             <a:r>
-              <a:rPr lang="en-US" sz="700" b="0" dirty="0">
+              <a:rPr lang="en-US" sz="1400" b="0" dirty="0">
                 <a:solidFill>
                   <a:srgbClr val="569CD6"/>
                 </a:solidFill>
@@ -6879,7 +6879,7 @@
               <a:t>delete</a:t>
             </a:r>
             <a:r>
-              <a:rPr lang="en-US" sz="700" b="0" dirty="0">
+              <a:rPr lang="en-US" sz="1400" b="0" dirty="0">
                 <a:solidFill>
                   <a:srgbClr val="D4D4D4"/>
                 </a:solidFill>
@@ -6889,7 +6889,7 @@
               <a:t> </a:t>
             </a:r>
             <a:r>
-              <a:rPr lang="en-US" sz="700" b="0" dirty="0">
+              <a:rPr lang="en-US" sz="1400" b="0" dirty="0">
                 <a:solidFill>
                   <a:srgbClr val="C8C8C8"/>
                 </a:solidFill>
@@ -6899,7 +6899,7 @@
               <a:t>temp</a:t>
             </a:r>
             <a:r>
-              <a:rPr lang="en-US" sz="700" b="0" dirty="0">
+              <a:rPr lang="en-US" sz="1400" b="0" dirty="0">
                 <a:solidFill>
                   <a:srgbClr val="D4D4D4"/>
                 </a:solidFill>
@@ -6917,7 +6917,7 @@
               <a:buNone/>
             </a:pPr>
             <a:r>
-              <a:rPr lang="en-US" sz="700" b="0" dirty="0">
+              <a:rPr lang="en-US" sz="1400" b="0" dirty="0">
                 <a:solidFill>
                   <a:srgbClr val="D4D4D4"/>
                 </a:solidFill>
@@ -6927,7 +6927,7 @@
               <a:t>            </a:t>
             </a:r>
             <a:r>
-              <a:rPr lang="en-US" sz="700" b="0" dirty="0">
+              <a:rPr lang="en-US" sz="1400" b="0" dirty="0">
                 <a:solidFill>
                   <a:srgbClr val="569CD6"/>
                 </a:solidFill>
@@ -6937,7 +6937,7 @@
               <a:t>return</a:t>
             </a:r>
             <a:r>
-              <a:rPr lang="en-US" sz="700" b="0" dirty="0">
+              <a:rPr lang="en-US" sz="1400" b="0" dirty="0">
                 <a:solidFill>
                   <a:srgbClr val="D4D4D4"/>
                 </a:solidFill>
@@ -6947,7 +6947,7 @@
               <a:t> </a:t>
             </a:r>
             <a:r>
-              <a:rPr lang="en-US" sz="700" b="0" dirty="0">
+              <a:rPr lang="en-US" sz="1400" b="0" dirty="0">
                 <a:solidFill>
                   <a:srgbClr val="569CD6"/>
                 </a:solidFill>
@@ -6957,7 +6957,7 @@
               <a:t>true</a:t>
             </a:r>
             <a:r>
-              <a:rPr lang="en-US" sz="700" b="0" dirty="0">
+              <a:rPr lang="en-US" sz="1400" b="0" dirty="0">
                 <a:solidFill>
                   <a:srgbClr val="D4D4D4"/>
                 </a:solidFill>
@@ -6975,7 +6975,7 @@
               <a:buNone/>
             </a:pPr>
             <a:r>
-              <a:rPr lang="en-US" sz="700" b="0" dirty="0">
+              <a:rPr lang="en-US" sz="1400" b="0" dirty="0">
                 <a:solidFill>
                   <a:srgbClr val="D4D4D4"/>
                 </a:solidFill>
@@ -6993,7 +6993,7 @@
               <a:buNone/>
             </a:pPr>
             <a:r>
-              <a:rPr lang="en-US" sz="700" b="0" dirty="0">
+              <a:rPr lang="en-US" sz="1400" b="0" dirty="0">
                 <a:solidFill>
                   <a:srgbClr val="D4D4D4"/>
                 </a:solidFill>
@@ -7003,7 +7003,7 @@
               <a:t>        </a:t>
             </a:r>
             <a:r>
-              <a:rPr lang="en-US" sz="700" b="0" dirty="0">
+              <a:rPr lang="en-US" sz="1400" b="0" dirty="0">
                 <a:solidFill>
                   <a:srgbClr val="569CD6"/>
                 </a:solidFill>
@@ -7013,7 +7013,7 @@
               <a:t>while</a:t>
             </a:r>
             <a:r>
-              <a:rPr lang="en-US" sz="700" b="0" dirty="0">
+              <a:rPr lang="en-US" sz="1400" b="0" dirty="0">
                 <a:solidFill>
                   <a:srgbClr val="D4D4D4"/>
                 </a:solidFill>
@@ -7023,7 +7023,7 @@
               <a:t> (</a:t>
             </a:r>
             <a:r>
-              <a:rPr lang="en-US" sz="700" b="0" dirty="0">
+              <a:rPr lang="en-US" sz="1400" b="0" dirty="0">
                 <a:solidFill>
                   <a:srgbClr val="C8C8C8"/>
                 </a:solidFill>
@@ -7033,7 +7033,7 @@
               <a:t>temp</a:t>
             </a:r>
             <a:r>
-              <a:rPr lang="en-US" sz="700" b="0" dirty="0">
+              <a:rPr lang="en-US" sz="1400" b="0" dirty="0">
                 <a:solidFill>
                   <a:srgbClr val="D4D4D4"/>
                 </a:solidFill>
@@ -7043,7 +7043,7 @@
               <a:t>-&gt;</a:t>
             </a:r>
             <a:r>
-              <a:rPr lang="en-US" sz="700" b="0" dirty="0">
+              <a:rPr lang="en-US" sz="1400" b="0" dirty="0">
                 <a:solidFill>
                   <a:srgbClr val="DADADA"/>
                 </a:solidFill>
@@ -7053,7 +7053,7 @@
               <a:t>next</a:t>
             </a:r>
             <a:r>
-              <a:rPr lang="en-US" sz="700" b="0" dirty="0">
+              <a:rPr lang="en-US" sz="1400" b="0" dirty="0">
                 <a:solidFill>
                   <a:srgbClr val="D4D4D4"/>
                 </a:solidFill>
@@ -7063,7 +7063,7 @@
               <a:t> &amp;&amp; (</a:t>
             </a:r>
             <a:r>
-              <a:rPr lang="en-US" sz="700" b="0" dirty="0">
+              <a:rPr lang="en-US" sz="1400" b="0" dirty="0">
                 <a:solidFill>
                   <a:srgbClr val="C8C8C8"/>
                 </a:solidFill>
@@ -7073,7 +7073,7 @@
               <a:t>temp</a:t>
             </a:r>
             <a:r>
-              <a:rPr lang="en-US" sz="700" b="0" dirty="0">
+              <a:rPr lang="en-US" sz="1400" b="0" dirty="0">
                 <a:solidFill>
                   <a:srgbClr val="D4D4D4"/>
                 </a:solidFill>
@@ -7083,7 +7083,7 @@
               <a:t>-&gt;</a:t>
             </a:r>
             <a:r>
-              <a:rPr lang="en-US" sz="700" b="0" dirty="0">
+              <a:rPr lang="en-US" sz="1400" b="0" dirty="0">
                 <a:solidFill>
                   <a:srgbClr val="DADADA"/>
                 </a:solidFill>
@@ -7093,7 +7093,7 @@
               <a:t>next</a:t>
             </a:r>
             <a:r>
-              <a:rPr lang="en-US" sz="700" b="0" dirty="0">
+              <a:rPr lang="en-US" sz="1400" b="0" dirty="0">
                 <a:solidFill>
                   <a:srgbClr val="D4D4D4"/>
                 </a:solidFill>
@@ -7103,7 +7103,7 @@
               <a:t>)-&gt;</a:t>
             </a:r>
             <a:r>
-              <a:rPr lang="en-US" sz="700" b="0" dirty="0">
+              <a:rPr lang="en-US" sz="1400" b="0" dirty="0">
                 <a:solidFill>
                   <a:srgbClr val="DADADA"/>
                 </a:solidFill>
@@ -7113,7 +7113,7 @@
               <a:t>id</a:t>
             </a:r>
             <a:r>
-              <a:rPr lang="en-US" sz="700" b="0" dirty="0">
+              <a:rPr lang="en-US" sz="1400" b="0" dirty="0">
                 <a:solidFill>
                   <a:srgbClr val="D4D4D4"/>
                 </a:solidFill>
@@ -7123,7 +7123,7 @@
               <a:t> != </a:t>
             </a:r>
             <a:r>
-              <a:rPr lang="en-US" sz="700" b="0" dirty="0">
+              <a:rPr lang="en-US" sz="1400" b="0" dirty="0">
                 <a:solidFill>
                   <a:srgbClr val="7F7F7F"/>
                 </a:solidFill>
@@ -7133,7 +7133,7 @@
               <a:t>Id</a:t>
             </a:r>
             <a:r>
-              <a:rPr lang="en-US" sz="700" b="0" dirty="0">
+              <a:rPr lang="en-US" sz="1400" b="0" dirty="0">
                 <a:solidFill>
                   <a:srgbClr val="D4D4D4"/>
                 </a:solidFill>
@@ -7151,7 +7151,7 @@
               <a:buNone/>
             </a:pPr>
             <a:r>
-              <a:rPr lang="en-US" sz="700" b="0" dirty="0">
+              <a:rPr lang="en-US" sz="1400" b="0" dirty="0">
                 <a:solidFill>
                   <a:srgbClr val="D4D4D4"/>
                 </a:solidFill>
@@ -7161,7 +7161,7 @@
               <a:t>            </a:t>
             </a:r>
             <a:r>
-              <a:rPr lang="en-US" sz="700" b="0" dirty="0">
+              <a:rPr lang="en-US" sz="1400" b="0" dirty="0">
                 <a:solidFill>
                   <a:srgbClr val="C8C8C8"/>
                 </a:solidFill>
@@ -7171,7 +7171,7 @@
               <a:t>temp</a:t>
             </a:r>
             <a:r>
-              <a:rPr lang="en-US" sz="700" b="0" dirty="0">
+              <a:rPr lang="en-US" sz="1400" b="0" dirty="0">
                 <a:solidFill>
                   <a:srgbClr val="D4D4D4"/>
                 </a:solidFill>
@@ -7181,7 +7181,7 @@
               <a:t> = </a:t>
             </a:r>
             <a:r>
-              <a:rPr lang="en-US" sz="700" b="0" dirty="0">
+              <a:rPr lang="en-US" sz="1400" b="0" dirty="0">
                 <a:solidFill>
                   <a:srgbClr val="C8C8C8"/>
                 </a:solidFill>
@@ -7191,7 +7191,7 @@
               <a:t>temp</a:t>
             </a:r>
             <a:r>
-              <a:rPr lang="en-US" sz="700" b="0" dirty="0">
+              <a:rPr lang="en-US" sz="1400" b="0" dirty="0">
                 <a:solidFill>
                   <a:srgbClr val="D4D4D4"/>
                 </a:solidFill>
@@ -7201,7 +7201,7 @@
               <a:t>-&gt;</a:t>
             </a:r>
             <a:r>
-              <a:rPr lang="en-US" sz="700" b="0" dirty="0">
+              <a:rPr lang="en-US" sz="1400" b="0" dirty="0">
                 <a:solidFill>
                   <a:srgbClr val="DADADA"/>
                 </a:solidFill>
@@ -7211,7 +7211,7 @@
               <a:t>next</a:t>
             </a:r>
             <a:r>
-              <a:rPr lang="en-US" sz="700" b="0" dirty="0">
+              <a:rPr lang="en-US" sz="1400" b="0" dirty="0">
                 <a:solidFill>
                   <a:srgbClr val="D4D4D4"/>
                 </a:solidFill>
@@ -7229,7 +7229,7 @@
               <a:buNone/>
             </a:pPr>
             <a:r>
-              <a:rPr lang="en-US" sz="700" b="0" dirty="0">
+              <a:rPr lang="en-US" sz="1400" b="0" dirty="0">
                 <a:solidFill>
                   <a:srgbClr val="D4D4D4"/>
                 </a:solidFill>
@@ -7247,7 +7247,7 @@
               <a:buNone/>
             </a:pPr>
             <a:r>
-              <a:rPr lang="en-US" sz="700" b="0" dirty="0">
+              <a:rPr lang="en-US" sz="1400" b="0" dirty="0">
                 <a:solidFill>
                   <a:srgbClr val="D4D4D4"/>
                 </a:solidFill>
@@ -7257,7 +7257,7 @@
               <a:t>        </a:t>
             </a:r>
             <a:r>
-              <a:rPr lang="en-US" sz="700" b="0" dirty="0">
+              <a:rPr lang="en-US" sz="1400" b="0" dirty="0">
                 <a:solidFill>
                   <a:srgbClr val="569CD6"/>
                 </a:solidFill>
@@ -7267,7 +7267,7 @@
               <a:t>if</a:t>
             </a:r>
             <a:r>
-              <a:rPr lang="en-US" sz="700" b="0" dirty="0">
+              <a:rPr lang="en-US" sz="1400" b="0" dirty="0">
                 <a:solidFill>
                   <a:srgbClr val="D4D4D4"/>
                 </a:solidFill>
@@ -7277,7 +7277,7 @@
               <a:t> (</a:t>
             </a:r>
             <a:r>
-              <a:rPr lang="en-US" sz="700" b="0" dirty="0">
+              <a:rPr lang="en-US" sz="1400" b="0" dirty="0">
                 <a:solidFill>
                   <a:srgbClr val="C8C8C8"/>
                 </a:solidFill>
@@ -7287,7 +7287,7 @@
               <a:t>temp</a:t>
             </a:r>
             <a:r>
-              <a:rPr lang="en-US" sz="700" b="0" dirty="0">
+              <a:rPr lang="en-US" sz="1400" b="0" dirty="0">
                 <a:solidFill>
                   <a:srgbClr val="D4D4D4"/>
                 </a:solidFill>
@@ -7297,7 +7297,7 @@
               <a:t>-&gt;</a:t>
             </a:r>
             <a:r>
-              <a:rPr lang="en-US" sz="700" b="0" dirty="0">
+              <a:rPr lang="en-US" sz="1400" b="0" dirty="0">
                 <a:solidFill>
                   <a:srgbClr val="DADADA"/>
                 </a:solidFill>
@@ -7307,7 +7307,7 @@
               <a:t>next</a:t>
             </a:r>
             <a:r>
-              <a:rPr lang="en-US" sz="700" b="0" dirty="0">
+              <a:rPr lang="en-US" sz="1400" b="0" dirty="0">
                 <a:solidFill>
                   <a:srgbClr val="D4D4D4"/>
                 </a:solidFill>
@@ -7317,7 +7317,7 @@
               <a:t> == </a:t>
             </a:r>
             <a:r>
-              <a:rPr lang="en-US" sz="700" b="0" dirty="0" err="1">
+              <a:rPr lang="en-US" sz="1400" b="0" dirty="0" err="1">
                 <a:solidFill>
                   <a:srgbClr val="569CD6"/>
                 </a:solidFill>
@@ -7327,7 +7327,7 @@
               <a:t>nullptr</a:t>
             </a:r>
             <a:r>
-              <a:rPr lang="en-US" sz="700" b="0" dirty="0">
+              <a:rPr lang="en-US" sz="1400" b="0" dirty="0">
                 <a:solidFill>
                   <a:srgbClr val="D4D4D4"/>
                 </a:solidFill>
@@ -7345,7 +7345,7 @@
               <a:buNone/>
             </a:pPr>
             <a:r>
-              <a:rPr lang="en-US" sz="700" b="0" dirty="0">
+              <a:rPr lang="en-US" sz="1400" b="0" dirty="0">
                 <a:solidFill>
                   <a:srgbClr val="D4D4D4"/>
                 </a:solidFill>
@@ -7355,7 +7355,7 @@
               <a:t>            </a:t>
             </a:r>
             <a:r>
-              <a:rPr lang="en-US" sz="700" b="0" dirty="0" err="1">
+              <a:rPr lang="en-US" sz="1400" b="0" dirty="0" err="1">
                 <a:solidFill>
                   <a:srgbClr val="C8C8C8"/>
                 </a:solidFill>
@@ -7365,7 +7365,7 @@
               <a:t>cout</a:t>
             </a:r>
             <a:r>
-              <a:rPr lang="en-US" sz="700" b="0" dirty="0">
+              <a:rPr lang="en-US" sz="1400" b="0" dirty="0">
                 <a:solidFill>
                   <a:srgbClr val="D4D4D4"/>
                 </a:solidFill>
@@ -7375,7 +7375,7 @@
               <a:t> </a:t>
             </a:r>
             <a:r>
-              <a:rPr lang="en-US" sz="700" b="0" dirty="0">
+              <a:rPr lang="en-US" sz="1400" b="0" dirty="0">
                 <a:solidFill>
                   <a:srgbClr val="B4B4B4"/>
                 </a:solidFill>
@@ -7385,7 +7385,7 @@
               <a:t>&lt;&lt;</a:t>
             </a:r>
             <a:r>
-              <a:rPr lang="en-US" sz="700" b="0" dirty="0">
+              <a:rPr lang="en-US" sz="1400" b="0" dirty="0">
                 <a:solidFill>
                   <a:srgbClr val="D4D4D4"/>
                 </a:solidFill>
@@ -7395,7 +7395,7 @@
               <a:t> </a:t>
             </a:r>
             <a:r>
-              <a:rPr lang="en-US" sz="700" b="0" dirty="0">
+              <a:rPr lang="en-US" sz="1400" b="0" dirty="0">
                 <a:solidFill>
                   <a:srgbClr val="CE9178"/>
                 </a:solidFill>
@@ -7405,7 +7405,7 @@
               <a:t>"ID not found.\n"</a:t>
             </a:r>
             <a:r>
-              <a:rPr lang="en-US" sz="700" b="0" dirty="0">
+              <a:rPr lang="en-US" sz="1400" b="0" dirty="0">
                 <a:solidFill>
                   <a:srgbClr val="D4D4D4"/>
                 </a:solidFill>
@@ -7423,7 +7423,7 @@
               <a:buNone/>
             </a:pPr>
             <a:r>
-              <a:rPr lang="en-US" sz="700" b="0" dirty="0">
+              <a:rPr lang="en-US" sz="1400" b="0" dirty="0">
                 <a:solidFill>
                   <a:srgbClr val="D4D4D4"/>
                 </a:solidFill>
@@ -7433,7 +7433,7 @@
               <a:t>            </a:t>
             </a:r>
             <a:r>
-              <a:rPr lang="en-US" sz="700" b="0" dirty="0">
+              <a:rPr lang="en-US" sz="1400" b="0" dirty="0">
                 <a:solidFill>
                   <a:srgbClr val="569CD6"/>
                 </a:solidFill>
@@ -7443,7 +7443,7 @@
               <a:t>return</a:t>
             </a:r>
             <a:r>
-              <a:rPr lang="en-US" sz="700" b="0" dirty="0">
+              <a:rPr lang="en-US" sz="1400" b="0" dirty="0">
                 <a:solidFill>
                   <a:srgbClr val="D4D4D4"/>
                 </a:solidFill>
@@ -7453,7 +7453,7 @@
               <a:t> </a:t>
             </a:r>
             <a:r>
-              <a:rPr lang="en-US" sz="700" b="0" dirty="0">
+              <a:rPr lang="en-US" sz="1400" b="0" dirty="0">
                 <a:solidFill>
                   <a:srgbClr val="569CD6"/>
                 </a:solidFill>
@@ -7463,7 +7463,7 @@
               <a:t>false</a:t>
             </a:r>
             <a:r>
-              <a:rPr lang="en-US" sz="700" b="0" dirty="0">
+              <a:rPr lang="en-US" sz="1400" b="0" dirty="0">
                 <a:solidFill>
                   <a:srgbClr val="D4D4D4"/>
                 </a:solidFill>
@@ -7481,7 +7481,7 @@
               <a:buNone/>
             </a:pPr>
             <a:r>
-              <a:rPr lang="en-US" sz="700" b="0" dirty="0">
+              <a:rPr lang="en-US" sz="1400" b="0" dirty="0">
                 <a:solidFill>
                   <a:srgbClr val="D4D4D4"/>
                 </a:solidFill>
@@ -7499,7 +7499,7 @@
               <a:buNone/>
             </a:pPr>
             <a:r>
-              <a:rPr lang="en-US" sz="700" b="0" dirty="0">
+              <a:rPr lang="en-US" sz="1400" b="0" dirty="0">
                 <a:solidFill>
                   <a:srgbClr val="D4D4D4"/>
                 </a:solidFill>
@@ -7509,7 +7509,7 @@
               <a:t>        </a:t>
             </a:r>
             <a:r>
-              <a:rPr lang="en-US" sz="700" b="0" dirty="0">
+              <a:rPr lang="en-US" sz="1400" b="0" dirty="0">
                 <a:solidFill>
                   <a:srgbClr val="4EC9B0"/>
                 </a:solidFill>
@@ -7519,7 +7519,7 @@
               <a:t>Node</a:t>
             </a:r>
             <a:r>
-              <a:rPr lang="en-US" sz="700" b="0" dirty="0">
+              <a:rPr lang="en-US" sz="1400" b="0" dirty="0">
                 <a:solidFill>
                   <a:srgbClr val="569CD6"/>
                 </a:solidFill>
@@ -7529,7 +7529,7 @@
               <a:t>*</a:t>
             </a:r>
             <a:r>
-              <a:rPr lang="en-US" sz="700" b="0" dirty="0">
+              <a:rPr lang="en-US" sz="1400" b="0" dirty="0">
                 <a:solidFill>
                   <a:srgbClr val="D4D4D4"/>
                 </a:solidFill>
@@ -7539,7 +7539,7 @@
               <a:t> </a:t>
             </a:r>
             <a:r>
-              <a:rPr lang="en-US" sz="700" b="0" dirty="0">
+              <a:rPr lang="en-US" sz="1400" b="0" dirty="0">
                 <a:solidFill>
                   <a:srgbClr val="C8C8C8"/>
                 </a:solidFill>
@@ -7549,7 +7549,7 @@
               <a:t>cur</a:t>
             </a:r>
             <a:r>
-              <a:rPr lang="en-US" sz="700" b="0" dirty="0">
+              <a:rPr lang="en-US" sz="1400" b="0" dirty="0">
                 <a:solidFill>
                   <a:srgbClr val="D4D4D4"/>
                 </a:solidFill>
@@ -7559,7 +7559,7 @@
               <a:t> = </a:t>
             </a:r>
             <a:r>
-              <a:rPr lang="en-US" sz="700" b="0" dirty="0">
+              <a:rPr lang="en-US" sz="1400" b="0" dirty="0">
                 <a:solidFill>
                   <a:srgbClr val="C8C8C8"/>
                 </a:solidFill>
@@ -7569,7 +7569,7 @@
               <a:t>temp</a:t>
             </a:r>
             <a:r>
-              <a:rPr lang="en-US" sz="700" b="0" dirty="0">
+              <a:rPr lang="en-US" sz="1400" b="0" dirty="0">
                 <a:solidFill>
                   <a:srgbClr val="D4D4D4"/>
                 </a:solidFill>
@@ -7579,7 +7579,7 @@
               <a:t>-&gt;</a:t>
             </a:r>
             <a:r>
-              <a:rPr lang="en-US" sz="700" b="0" dirty="0">
+              <a:rPr lang="en-US" sz="1400" b="0" dirty="0">
                 <a:solidFill>
                   <a:srgbClr val="DADADA"/>
                 </a:solidFill>
@@ -7589,7 +7589,7 @@
               <a:t>next</a:t>
             </a:r>
             <a:r>
-              <a:rPr lang="en-US" sz="700" b="0" dirty="0">
+              <a:rPr lang="en-US" sz="1400" b="0" dirty="0">
                 <a:solidFill>
                   <a:srgbClr val="D4D4D4"/>
                 </a:solidFill>
@@ -7607,7 +7607,7 @@
               <a:buNone/>
             </a:pPr>
             <a:r>
-              <a:rPr lang="en-US" sz="700" b="0" dirty="0">
+              <a:rPr lang="en-US" sz="1400" b="0" dirty="0">
                 <a:solidFill>
                   <a:srgbClr val="D4D4D4"/>
                 </a:solidFill>
@@ -7617,7 +7617,7 @@
               <a:t>        </a:t>
             </a:r>
             <a:r>
-              <a:rPr lang="en-US" sz="700" b="0" dirty="0">
+              <a:rPr lang="en-US" sz="1400" b="0" dirty="0">
                 <a:solidFill>
                   <a:srgbClr val="C8C8C8"/>
                 </a:solidFill>
@@ -7627,7 +7627,7 @@
               <a:t>temp</a:t>
             </a:r>
             <a:r>
-              <a:rPr lang="en-US" sz="700" b="0" dirty="0">
+              <a:rPr lang="en-US" sz="1400" b="0" dirty="0">
                 <a:solidFill>
                   <a:srgbClr val="D4D4D4"/>
                 </a:solidFill>
@@ -7637,7 +7637,7 @@
               <a:t>-&gt;</a:t>
             </a:r>
             <a:r>
-              <a:rPr lang="en-US" sz="700" b="0" dirty="0">
+              <a:rPr lang="en-US" sz="1400" b="0" dirty="0">
                 <a:solidFill>
                   <a:srgbClr val="DADADA"/>
                 </a:solidFill>
@@ -7647,7 +7647,7 @@
               <a:t>next</a:t>
             </a:r>
             <a:r>
-              <a:rPr lang="en-US" sz="700" b="0" dirty="0">
+              <a:rPr lang="en-US" sz="1400" b="0" dirty="0">
                 <a:solidFill>
                   <a:srgbClr val="D4D4D4"/>
                 </a:solidFill>
@@ -7657,7 +7657,7 @@
               <a:t> = </a:t>
             </a:r>
             <a:r>
-              <a:rPr lang="en-US" sz="700" b="0" dirty="0">
+              <a:rPr lang="en-US" sz="1400" b="0" dirty="0">
                 <a:solidFill>
                   <a:srgbClr val="C8C8C8"/>
                 </a:solidFill>
@@ -7667,7 +7667,7 @@
               <a:t>cur</a:t>
             </a:r>
             <a:r>
-              <a:rPr lang="en-US" sz="700" b="0" dirty="0">
+              <a:rPr lang="en-US" sz="1400" b="0" dirty="0">
                 <a:solidFill>
                   <a:srgbClr val="D4D4D4"/>
                 </a:solidFill>
@@ -7677,7 +7677,7 @@
               <a:t>-&gt;</a:t>
             </a:r>
             <a:r>
-              <a:rPr lang="en-US" sz="700" b="0" dirty="0">
+              <a:rPr lang="en-US" sz="1400" b="0" dirty="0">
                 <a:solidFill>
                   <a:srgbClr val="DADADA"/>
                 </a:solidFill>
@@ -7687,7 +7687,7 @@
               <a:t>next</a:t>
             </a:r>
             <a:r>
-              <a:rPr lang="en-US" sz="700" b="0" dirty="0">
+              <a:rPr lang="en-US" sz="1400" b="0" dirty="0">
                 <a:solidFill>
                   <a:srgbClr val="D4D4D4"/>
                 </a:solidFill>
@@ -7705,7 +7705,7 @@
               <a:buNone/>
             </a:pPr>
             <a:r>
-              <a:rPr lang="en-US" sz="700" b="0" dirty="0">
+              <a:rPr lang="en-US" sz="1400" b="0" dirty="0">
                 <a:solidFill>
                   <a:srgbClr val="D4D4D4"/>
                 </a:solidFill>
@@ -7715,7 +7715,7 @@
               <a:t>        </a:t>
             </a:r>
             <a:r>
-              <a:rPr lang="en-US" sz="700" b="0" dirty="0">
+              <a:rPr lang="en-US" sz="1400" b="0" dirty="0">
                 <a:solidFill>
                   <a:srgbClr val="569CD6"/>
                 </a:solidFill>
@@ -7725,7 +7725,7 @@
               <a:t>if</a:t>
             </a:r>
             <a:r>
-              <a:rPr lang="en-US" sz="700" b="0" dirty="0">
+              <a:rPr lang="en-US" sz="1400" b="0" dirty="0">
                 <a:solidFill>
                   <a:srgbClr val="D4D4D4"/>
                 </a:solidFill>
@@ -7735,7 +7735,7 @@
               <a:t> (</a:t>
             </a:r>
             <a:r>
-              <a:rPr lang="en-US" sz="700" b="0" dirty="0">
+              <a:rPr lang="en-US" sz="1400" b="0" dirty="0">
                 <a:solidFill>
                   <a:srgbClr val="C8C8C8"/>
                 </a:solidFill>
@@ -7745,7 +7745,7 @@
               <a:t>cur</a:t>
             </a:r>
             <a:r>
-              <a:rPr lang="en-US" sz="700" b="0" dirty="0">
+              <a:rPr lang="en-US" sz="1400" b="0" dirty="0">
                 <a:solidFill>
                   <a:srgbClr val="D4D4D4"/>
                 </a:solidFill>
@@ -7755,7 +7755,7 @@
               <a:t> == </a:t>
             </a:r>
             <a:r>
-              <a:rPr lang="en-US" sz="700" b="0" dirty="0">
+              <a:rPr lang="en-US" sz="1400" b="0" dirty="0">
                 <a:solidFill>
                   <a:srgbClr val="DADADA"/>
                 </a:solidFill>
@@ -7765,7 +7765,7 @@
               <a:t>tail</a:t>
             </a:r>
             <a:r>
-              <a:rPr lang="en-US" sz="700" b="0" dirty="0">
+              <a:rPr lang="en-US" sz="1400" b="0" dirty="0">
                 <a:solidFill>
                   <a:srgbClr val="D4D4D4"/>
                 </a:solidFill>
@@ -7783,7 +7783,7 @@
               <a:buNone/>
             </a:pPr>
             <a:r>
-              <a:rPr lang="en-US" sz="700" b="0" dirty="0">
+              <a:rPr lang="en-US" sz="1400" b="0" dirty="0">
                 <a:solidFill>
                   <a:srgbClr val="D4D4D4"/>
                 </a:solidFill>
@@ -7793,7 +7793,7 @@
               <a:t>            </a:t>
             </a:r>
             <a:r>
-              <a:rPr lang="en-US" sz="700" b="0" dirty="0">
+              <a:rPr lang="en-US" sz="1400" b="0" dirty="0">
                 <a:solidFill>
                   <a:srgbClr val="DADADA"/>
                 </a:solidFill>
@@ -7803,7 +7803,7 @@
               <a:t>tail</a:t>
             </a:r>
             <a:r>
-              <a:rPr lang="en-US" sz="700" b="0" dirty="0">
+              <a:rPr lang="en-US" sz="1400" b="0" dirty="0">
                 <a:solidFill>
                   <a:srgbClr val="D4D4D4"/>
                 </a:solidFill>
@@ -7813,7 +7813,7 @@
               <a:t> = </a:t>
             </a:r>
             <a:r>
-              <a:rPr lang="en-US" sz="700" b="0" dirty="0">
+              <a:rPr lang="en-US" sz="1400" b="0" dirty="0">
                 <a:solidFill>
                   <a:srgbClr val="C8C8C8"/>
                 </a:solidFill>
@@ -7823,7 +7823,7 @@
               <a:t>temp</a:t>
             </a:r>
             <a:r>
-              <a:rPr lang="en-US" sz="700" b="0" dirty="0">
+              <a:rPr lang="en-US" sz="1400" b="0" dirty="0">
                 <a:solidFill>
                   <a:srgbClr val="D4D4D4"/>
                 </a:solidFill>
@@ -7841,7 +7841,7 @@
               <a:buNone/>
             </a:pPr>
             <a:r>
-              <a:rPr lang="en-US" sz="700" b="0" dirty="0">
+              <a:rPr lang="en-US" sz="1400" b="0" dirty="0">
                 <a:solidFill>
                   <a:srgbClr val="D4D4D4"/>
                 </a:solidFill>
@@ -7859,7 +7859,7 @@
               <a:buNone/>
             </a:pPr>
             <a:r>
-              <a:rPr lang="en-US" sz="700" b="0" dirty="0">
+              <a:rPr lang="en-US" sz="1400" b="0" dirty="0">
                 <a:solidFill>
                   <a:srgbClr val="D4D4D4"/>
                 </a:solidFill>
@@ -7869,7 +7869,7 @@
               <a:t>        </a:t>
             </a:r>
             <a:r>
-              <a:rPr lang="en-US" sz="700" b="0" dirty="0">
+              <a:rPr lang="en-US" sz="1400" b="0" dirty="0">
                 <a:solidFill>
                   <a:srgbClr val="569CD6"/>
                 </a:solidFill>
@@ -7879,7 +7879,7 @@
               <a:t>delete</a:t>
             </a:r>
             <a:r>
-              <a:rPr lang="en-US" sz="700" b="0" dirty="0">
+              <a:rPr lang="en-US" sz="1400" b="0" dirty="0">
                 <a:solidFill>
                   <a:srgbClr val="D4D4D4"/>
                 </a:solidFill>
@@ -7889,7 +7889,7 @@
               <a:t> </a:t>
             </a:r>
             <a:r>
-              <a:rPr lang="en-US" sz="700" b="0" dirty="0">
+              <a:rPr lang="en-US" sz="1400" b="0" dirty="0">
                 <a:solidFill>
                   <a:srgbClr val="C8C8C8"/>
                 </a:solidFill>
@@ -7899,7 +7899,7 @@
               <a:t>cur</a:t>
             </a:r>
             <a:r>
-              <a:rPr lang="en-US" sz="700" b="0" dirty="0">
+              <a:rPr lang="en-US" sz="1400" b="0" dirty="0">
                 <a:solidFill>
                   <a:srgbClr val="D4D4D4"/>
                 </a:solidFill>
@@ -7917,7 +7917,7 @@
               <a:buNone/>
             </a:pPr>
             <a:r>
-              <a:rPr lang="en-US" sz="700" b="0" dirty="0">
+              <a:rPr lang="en-US" sz="1400" b="0" dirty="0">
                 <a:solidFill>
                   <a:srgbClr val="D4D4D4"/>
                 </a:solidFill>
@@ -7927,7 +7927,7 @@
               <a:t>        </a:t>
             </a:r>
             <a:r>
-              <a:rPr lang="en-US" sz="700" b="0" dirty="0">
+              <a:rPr lang="en-US" sz="1400" b="0" dirty="0">
                 <a:solidFill>
                   <a:srgbClr val="569CD6"/>
                 </a:solidFill>
@@ -7937,7 +7937,7 @@
               <a:t>return</a:t>
             </a:r>
             <a:r>
-              <a:rPr lang="en-US" sz="700" b="0" dirty="0">
+              <a:rPr lang="en-US" sz="1400" b="0" dirty="0">
                 <a:solidFill>
                   <a:srgbClr val="D4D4D4"/>
                 </a:solidFill>
@@ -7947,7 +7947,7 @@
               <a:t> </a:t>
             </a:r>
             <a:r>
-              <a:rPr lang="en-US" sz="700" b="0" dirty="0">
+              <a:rPr lang="en-US" sz="1400" b="0" dirty="0">
                 <a:solidFill>
                   <a:srgbClr val="569CD6"/>
                 </a:solidFill>
@@ -7957,7 +7957,7 @@
               <a:t>true</a:t>
             </a:r>
             <a:r>
-              <a:rPr lang="en-US" sz="700" b="0" dirty="0">
+              <a:rPr lang="en-US" sz="1400" b="0" dirty="0">
                 <a:solidFill>
                   <a:srgbClr val="D4D4D4"/>
                 </a:solidFill>
@@ -7975,7 +7975,7 @@
               <a:buNone/>
             </a:pPr>
             <a:r>
-              <a:rPr lang="en-US" sz="700" b="0" dirty="0">
+              <a:rPr lang="en-US" sz="1400" b="0" dirty="0">
                 <a:solidFill>
                   <a:srgbClr val="D4D4D4"/>
                 </a:solidFill>
@@ -7992,87 +7992,21 @@
               </a:lnSpc>
               <a:buNone/>
             </a:pPr>
-            <a:r>
-              <a:rPr lang="en-US" sz="700" b="0" dirty="0">
-                <a:solidFill>
-                  <a:srgbClr val="D4D4D4"/>
-                </a:solidFill>
-                <a:effectLst/>
-                <a:latin typeface="Consolas" panose="020B0609020204030204" pitchFamily="49" charset="0"/>
-              </a:rPr>
-              <a:t>    </a:t>
-            </a:r>
-            <a:r>
-              <a:rPr lang="en-US" sz="700" b="0" dirty="0">
-                <a:solidFill>
-                  <a:srgbClr val="569CD6"/>
-                </a:solidFill>
-                <a:effectLst/>
-                <a:latin typeface="Consolas" panose="020B0609020204030204" pitchFamily="49" charset="0"/>
-              </a:rPr>
-              <a:t>void</a:t>
-            </a:r>
-            <a:r>
-              <a:rPr lang="en-US" sz="700" b="0" dirty="0">
-                <a:solidFill>
-                  <a:srgbClr val="D4D4D4"/>
-                </a:solidFill>
-                <a:effectLst/>
-                <a:latin typeface="Consolas" panose="020B0609020204030204" pitchFamily="49" charset="0"/>
-              </a:rPr>
-              <a:t> </a:t>
-            </a:r>
-            <a:r>
-              <a:rPr lang="en-US" sz="700" b="0" dirty="0" err="1">
-                <a:solidFill>
-                  <a:srgbClr val="C8C8C8"/>
-                </a:solidFill>
-                <a:effectLst/>
-                <a:latin typeface="Consolas" panose="020B0609020204030204" pitchFamily="49" charset="0"/>
-              </a:rPr>
-              <a:t>DisplayQueue</a:t>
-            </a:r>
-            <a:r>
-              <a:rPr lang="en-US" sz="700" b="0" dirty="0">
-                <a:solidFill>
-                  <a:srgbClr val="D4D4D4"/>
-                </a:solidFill>
-                <a:effectLst/>
-                <a:latin typeface="Consolas" panose="020B0609020204030204" pitchFamily="49" charset="0"/>
-              </a:rPr>
-              <a:t>() </a:t>
-            </a:r>
-            <a:r>
-              <a:rPr lang="en-US" sz="700" b="0" dirty="0">
-                <a:solidFill>
-                  <a:srgbClr val="569CD6"/>
-                </a:solidFill>
-                <a:effectLst/>
-                <a:latin typeface="Consolas" panose="020B0609020204030204" pitchFamily="49" charset="0"/>
-              </a:rPr>
-              <a:t>const</a:t>
-            </a:r>
-            <a:r>
-              <a:rPr lang="en-US" sz="700" b="0" dirty="0">
-                <a:solidFill>
-                  <a:srgbClr val="D4D4D4"/>
-                </a:solidFill>
-                <a:effectLst/>
-                <a:latin typeface="Consolas" panose="020B0609020204030204" pitchFamily="49" charset="0"/>
-              </a:rPr>
-              <a:t> {</a:t>
-            </a:r>
-            <a:r>
-              <a:rPr lang="en-US" sz="700" b="0" dirty="0">
-                <a:solidFill>
-                  <a:srgbClr val="6A9955"/>
-                </a:solidFill>
-                <a:effectLst/>
-                <a:latin typeface="Consolas" panose="020B0609020204030204" pitchFamily="49" charset="0"/>
-              </a:rPr>
-              <a:t>// tick</a:t>
-            </a:r>
-            <a:endParaRPr lang="en-US" sz="700" b="0" dirty="0">
+            <a:endParaRPr lang="en-US" sz="1400" dirty="0">
+              <a:solidFill>
+                <a:srgbClr val="D4D4D4"/>
+              </a:solidFill>
+              <a:latin typeface="Consolas" panose="020B0609020204030204" pitchFamily="49" charset="0"/>
+            </a:endParaRPr>
+          </a:p>
+          <a:p>
+            <a:pPr>
+              <a:lnSpc>
+                <a:spcPts val="1425"/>
+              </a:lnSpc>
+              <a:buNone/>
+            </a:pPr>
+            <a:endParaRPr lang="en-US" sz="1400" b="0" dirty="0">
               <a:solidFill>
                 <a:srgbClr val="D4D4D4"/>
               </a:solidFill>
@@ -8087,621 +8021,7 @@
               </a:lnSpc>
               <a:buNone/>
             </a:pPr>
-            <a:r>
-              <a:rPr lang="en-US" sz="700" b="0" dirty="0">
-                <a:solidFill>
-                  <a:srgbClr val="D4D4D4"/>
-                </a:solidFill>
-                <a:effectLst/>
-                <a:latin typeface="Consolas" panose="020B0609020204030204" pitchFamily="49" charset="0"/>
-              </a:rPr>
-              <a:t>        </a:t>
-            </a:r>
-            <a:r>
-              <a:rPr lang="en-US" sz="700" b="0" dirty="0">
-                <a:solidFill>
-                  <a:srgbClr val="4EC9B0"/>
-                </a:solidFill>
-                <a:effectLst/>
-                <a:latin typeface="Consolas" panose="020B0609020204030204" pitchFamily="49" charset="0"/>
-              </a:rPr>
-              <a:t>Node</a:t>
-            </a:r>
-            <a:r>
-              <a:rPr lang="en-US" sz="700" b="0" dirty="0">
-                <a:solidFill>
-                  <a:srgbClr val="569CD6"/>
-                </a:solidFill>
-                <a:effectLst/>
-                <a:latin typeface="Consolas" panose="020B0609020204030204" pitchFamily="49" charset="0"/>
-              </a:rPr>
-              <a:t>*</a:t>
-            </a:r>
-            <a:r>
-              <a:rPr lang="en-US" sz="700" b="0" dirty="0">
-                <a:solidFill>
-                  <a:srgbClr val="D4D4D4"/>
-                </a:solidFill>
-                <a:effectLst/>
-                <a:latin typeface="Consolas" panose="020B0609020204030204" pitchFamily="49" charset="0"/>
-              </a:rPr>
-              <a:t> </a:t>
-            </a:r>
-            <a:r>
-              <a:rPr lang="en-US" sz="700" b="0" dirty="0">
-                <a:solidFill>
-                  <a:srgbClr val="C8C8C8"/>
-                </a:solidFill>
-                <a:effectLst/>
-                <a:latin typeface="Consolas" panose="020B0609020204030204" pitchFamily="49" charset="0"/>
-              </a:rPr>
-              <a:t>cur</a:t>
-            </a:r>
-            <a:r>
-              <a:rPr lang="en-US" sz="700" b="0" dirty="0">
-                <a:solidFill>
-                  <a:srgbClr val="D4D4D4"/>
-                </a:solidFill>
-                <a:effectLst/>
-                <a:latin typeface="Consolas" panose="020B0609020204030204" pitchFamily="49" charset="0"/>
-              </a:rPr>
-              <a:t> = </a:t>
-            </a:r>
-            <a:r>
-              <a:rPr lang="en-US" sz="700" b="0" dirty="0">
-                <a:solidFill>
-                  <a:srgbClr val="DADADA"/>
-                </a:solidFill>
-                <a:effectLst/>
-                <a:latin typeface="Consolas" panose="020B0609020204030204" pitchFamily="49" charset="0"/>
-              </a:rPr>
-              <a:t>head</a:t>
-            </a:r>
-            <a:r>
-              <a:rPr lang="en-US" sz="700" b="0" dirty="0">
-                <a:solidFill>
-                  <a:srgbClr val="D4D4D4"/>
-                </a:solidFill>
-                <a:effectLst/>
-                <a:latin typeface="Consolas" panose="020B0609020204030204" pitchFamily="49" charset="0"/>
-              </a:rPr>
-              <a:t>;</a:t>
-            </a:r>
-          </a:p>
-          <a:p>
-            <a:pPr>
-              <a:lnSpc>
-                <a:spcPts val="1425"/>
-              </a:lnSpc>
-              <a:buNone/>
-            </a:pPr>
-            <a:r>
-              <a:rPr lang="en-US" sz="700" b="0" dirty="0">
-                <a:solidFill>
-                  <a:srgbClr val="D4D4D4"/>
-                </a:solidFill>
-                <a:effectLst/>
-                <a:latin typeface="Consolas" panose="020B0609020204030204" pitchFamily="49" charset="0"/>
-              </a:rPr>
-              <a:t>        </a:t>
-            </a:r>
-            <a:r>
-              <a:rPr lang="en-US" sz="700" b="0" dirty="0" err="1">
-                <a:solidFill>
-                  <a:srgbClr val="C8C8C8"/>
-                </a:solidFill>
-                <a:effectLst/>
-                <a:latin typeface="Consolas" panose="020B0609020204030204" pitchFamily="49" charset="0"/>
-              </a:rPr>
-              <a:t>cout</a:t>
-            </a:r>
-            <a:r>
-              <a:rPr lang="en-US" sz="700" b="0" dirty="0">
-                <a:solidFill>
-                  <a:srgbClr val="D4D4D4"/>
-                </a:solidFill>
-                <a:effectLst/>
-                <a:latin typeface="Consolas" panose="020B0609020204030204" pitchFamily="49" charset="0"/>
-              </a:rPr>
-              <a:t> </a:t>
-            </a:r>
-            <a:r>
-              <a:rPr lang="en-US" sz="700" b="0" dirty="0">
-                <a:solidFill>
-                  <a:srgbClr val="B4B4B4"/>
-                </a:solidFill>
-                <a:effectLst/>
-                <a:latin typeface="Consolas" panose="020B0609020204030204" pitchFamily="49" charset="0"/>
-              </a:rPr>
-              <a:t>&lt;&lt;</a:t>
-            </a:r>
-            <a:r>
-              <a:rPr lang="en-US" sz="700" b="0" dirty="0">
-                <a:solidFill>
-                  <a:srgbClr val="D4D4D4"/>
-                </a:solidFill>
-                <a:effectLst/>
-                <a:latin typeface="Consolas" panose="020B0609020204030204" pitchFamily="49" charset="0"/>
-              </a:rPr>
-              <a:t> </a:t>
-            </a:r>
-            <a:r>
-              <a:rPr lang="en-US" sz="700" b="0" dirty="0">
-                <a:solidFill>
-                  <a:srgbClr val="CE9178"/>
-                </a:solidFill>
-                <a:effectLst/>
-                <a:latin typeface="Consolas" panose="020B0609020204030204" pitchFamily="49" charset="0"/>
-              </a:rPr>
-              <a:t>"Displaying Queue:\n"</a:t>
-            </a:r>
-            <a:r>
-              <a:rPr lang="en-US" sz="700" b="0" dirty="0">
-                <a:solidFill>
-                  <a:srgbClr val="D4D4D4"/>
-                </a:solidFill>
-                <a:effectLst/>
-                <a:latin typeface="Consolas" panose="020B0609020204030204" pitchFamily="49" charset="0"/>
-              </a:rPr>
-              <a:t>;</a:t>
-            </a:r>
-          </a:p>
-          <a:p>
-            <a:pPr>
-              <a:lnSpc>
-                <a:spcPts val="1425"/>
-              </a:lnSpc>
-              <a:buNone/>
-            </a:pPr>
-            <a:r>
-              <a:rPr lang="en-US" sz="700" b="0" dirty="0">
-                <a:solidFill>
-                  <a:srgbClr val="D4D4D4"/>
-                </a:solidFill>
-                <a:effectLst/>
-                <a:latin typeface="Consolas" panose="020B0609020204030204" pitchFamily="49" charset="0"/>
-              </a:rPr>
-              <a:t>        </a:t>
-            </a:r>
-            <a:r>
-              <a:rPr lang="en-US" sz="700" b="0" dirty="0">
-                <a:solidFill>
-                  <a:srgbClr val="569CD6"/>
-                </a:solidFill>
-                <a:effectLst/>
-                <a:latin typeface="Consolas" panose="020B0609020204030204" pitchFamily="49" charset="0"/>
-              </a:rPr>
-              <a:t>while</a:t>
-            </a:r>
-            <a:r>
-              <a:rPr lang="en-US" sz="700" b="0" dirty="0">
-                <a:solidFill>
-                  <a:srgbClr val="D4D4D4"/>
-                </a:solidFill>
-                <a:effectLst/>
-                <a:latin typeface="Consolas" panose="020B0609020204030204" pitchFamily="49" charset="0"/>
-              </a:rPr>
-              <a:t> (</a:t>
-            </a:r>
-            <a:r>
-              <a:rPr lang="en-US" sz="700" b="0" dirty="0">
-                <a:solidFill>
-                  <a:srgbClr val="C8C8C8"/>
-                </a:solidFill>
-                <a:effectLst/>
-                <a:latin typeface="Consolas" panose="020B0609020204030204" pitchFamily="49" charset="0"/>
-              </a:rPr>
-              <a:t>cur</a:t>
-            </a:r>
-            <a:r>
-              <a:rPr lang="en-US" sz="700" b="0" dirty="0">
-                <a:solidFill>
-                  <a:srgbClr val="D4D4D4"/>
-                </a:solidFill>
-                <a:effectLst/>
-                <a:latin typeface="Consolas" panose="020B0609020204030204" pitchFamily="49" charset="0"/>
-              </a:rPr>
-              <a:t>) {</a:t>
-            </a:r>
-          </a:p>
-          <a:p>
-            <a:pPr>
-              <a:lnSpc>
-                <a:spcPts val="1425"/>
-              </a:lnSpc>
-              <a:buNone/>
-            </a:pPr>
-            <a:r>
-              <a:rPr lang="en-US" sz="700" b="0" dirty="0">
-                <a:solidFill>
-                  <a:srgbClr val="D4D4D4"/>
-                </a:solidFill>
-                <a:effectLst/>
-                <a:latin typeface="Consolas" panose="020B0609020204030204" pitchFamily="49" charset="0"/>
-              </a:rPr>
-              <a:t>            </a:t>
-            </a:r>
-            <a:r>
-              <a:rPr lang="en-US" sz="700" b="0" dirty="0" err="1">
-                <a:solidFill>
-                  <a:srgbClr val="C8C8C8"/>
-                </a:solidFill>
-                <a:effectLst/>
-                <a:latin typeface="Consolas" panose="020B0609020204030204" pitchFamily="49" charset="0"/>
-              </a:rPr>
-              <a:t>cout</a:t>
-            </a:r>
-            <a:r>
-              <a:rPr lang="en-US" sz="700" b="0" dirty="0">
-                <a:solidFill>
-                  <a:srgbClr val="D4D4D4"/>
-                </a:solidFill>
-                <a:effectLst/>
-                <a:latin typeface="Consolas" panose="020B0609020204030204" pitchFamily="49" charset="0"/>
-              </a:rPr>
-              <a:t> </a:t>
-            </a:r>
-            <a:r>
-              <a:rPr lang="en-US" sz="700" b="0" dirty="0">
-                <a:solidFill>
-                  <a:srgbClr val="B4B4B4"/>
-                </a:solidFill>
-                <a:effectLst/>
-                <a:latin typeface="Consolas" panose="020B0609020204030204" pitchFamily="49" charset="0"/>
-              </a:rPr>
-              <a:t>&lt;&lt;</a:t>
-            </a:r>
-            <a:r>
-              <a:rPr lang="en-US" sz="700" b="0" dirty="0">
-                <a:solidFill>
-                  <a:srgbClr val="D4D4D4"/>
-                </a:solidFill>
-                <a:effectLst/>
-                <a:latin typeface="Consolas" panose="020B0609020204030204" pitchFamily="49" charset="0"/>
-              </a:rPr>
-              <a:t> </a:t>
-            </a:r>
-            <a:r>
-              <a:rPr lang="en-US" sz="700" b="0" dirty="0">
-                <a:solidFill>
-                  <a:srgbClr val="C8C8C8"/>
-                </a:solidFill>
-                <a:effectLst/>
-                <a:latin typeface="Consolas" panose="020B0609020204030204" pitchFamily="49" charset="0"/>
-              </a:rPr>
-              <a:t>cur</a:t>
-            </a:r>
-            <a:r>
-              <a:rPr lang="en-US" sz="700" b="0" dirty="0">
-                <a:solidFill>
-                  <a:srgbClr val="D4D4D4"/>
-                </a:solidFill>
-                <a:effectLst/>
-                <a:latin typeface="Consolas" panose="020B0609020204030204" pitchFamily="49" charset="0"/>
-              </a:rPr>
-              <a:t>-&gt;</a:t>
-            </a:r>
-            <a:r>
-              <a:rPr lang="en-US" sz="700" b="0" dirty="0">
-                <a:solidFill>
-                  <a:srgbClr val="DADADA"/>
-                </a:solidFill>
-                <a:effectLst/>
-                <a:latin typeface="Consolas" panose="020B0609020204030204" pitchFamily="49" charset="0"/>
-              </a:rPr>
-              <a:t>name</a:t>
-            </a:r>
-            <a:r>
-              <a:rPr lang="en-US" sz="700" b="0" dirty="0">
-                <a:solidFill>
-                  <a:srgbClr val="D4D4D4"/>
-                </a:solidFill>
-                <a:effectLst/>
-                <a:latin typeface="Consolas" panose="020B0609020204030204" pitchFamily="49" charset="0"/>
-              </a:rPr>
-              <a:t> </a:t>
-            </a:r>
-            <a:r>
-              <a:rPr lang="en-US" sz="700" b="0" dirty="0">
-                <a:solidFill>
-                  <a:srgbClr val="B4B4B4"/>
-                </a:solidFill>
-                <a:effectLst/>
-                <a:latin typeface="Consolas" panose="020B0609020204030204" pitchFamily="49" charset="0"/>
-              </a:rPr>
-              <a:t>&lt;&lt;</a:t>
-            </a:r>
-            <a:r>
-              <a:rPr lang="en-US" sz="700" b="0" dirty="0">
-                <a:solidFill>
-                  <a:srgbClr val="D4D4D4"/>
-                </a:solidFill>
-                <a:effectLst/>
-                <a:latin typeface="Consolas" panose="020B0609020204030204" pitchFamily="49" charset="0"/>
-              </a:rPr>
-              <a:t> </a:t>
-            </a:r>
-            <a:r>
-              <a:rPr lang="en-US" sz="700" b="0" dirty="0">
-                <a:solidFill>
-                  <a:srgbClr val="CE9178"/>
-                </a:solidFill>
-                <a:effectLst/>
-                <a:latin typeface="Consolas" panose="020B0609020204030204" pitchFamily="49" charset="0"/>
-              </a:rPr>
-              <a:t>" : "</a:t>
-            </a:r>
-            <a:r>
-              <a:rPr lang="en-US" sz="700" b="0" dirty="0">
-                <a:solidFill>
-                  <a:srgbClr val="D4D4D4"/>
-                </a:solidFill>
-                <a:effectLst/>
-                <a:latin typeface="Consolas" panose="020B0609020204030204" pitchFamily="49" charset="0"/>
-              </a:rPr>
-              <a:t> </a:t>
-            </a:r>
-            <a:r>
-              <a:rPr lang="en-US" sz="700" b="0" dirty="0">
-                <a:solidFill>
-                  <a:srgbClr val="B4B4B4"/>
-                </a:solidFill>
-                <a:effectLst/>
-                <a:latin typeface="Consolas" panose="020B0609020204030204" pitchFamily="49" charset="0"/>
-              </a:rPr>
-              <a:t>&lt;&lt;</a:t>
-            </a:r>
-            <a:r>
-              <a:rPr lang="en-US" sz="700" b="0" dirty="0">
-                <a:solidFill>
-                  <a:srgbClr val="D4D4D4"/>
-                </a:solidFill>
-                <a:effectLst/>
-                <a:latin typeface="Consolas" panose="020B0609020204030204" pitchFamily="49" charset="0"/>
-              </a:rPr>
-              <a:t> </a:t>
-            </a:r>
-            <a:r>
-              <a:rPr lang="en-US" sz="700" b="0" dirty="0">
-                <a:solidFill>
-                  <a:srgbClr val="C8C8C8"/>
-                </a:solidFill>
-                <a:effectLst/>
-                <a:latin typeface="Consolas" panose="020B0609020204030204" pitchFamily="49" charset="0"/>
-              </a:rPr>
-              <a:t>cur</a:t>
-            </a:r>
-            <a:r>
-              <a:rPr lang="en-US" sz="700" dirty="0">
-                <a:solidFill>
-                  <a:srgbClr val="D4D4D4"/>
-                </a:solidFill>
-                <a:latin typeface="Consolas" panose="020B0609020204030204" pitchFamily="49" charset="0"/>
-              </a:rPr>
-              <a:t>-</a:t>
-            </a:r>
-            <a:r>
-              <a:rPr lang="en-US" sz="700" b="0" dirty="0">
-                <a:solidFill>
-                  <a:srgbClr val="D4D4D4"/>
-                </a:solidFill>
-                <a:effectLst/>
-                <a:latin typeface="Consolas" panose="020B0609020204030204" pitchFamily="49" charset="0"/>
-              </a:rPr>
-              <a:t>&gt;</a:t>
-            </a:r>
-            <a:r>
-              <a:rPr lang="en-US" sz="700" b="0" dirty="0">
-                <a:solidFill>
-                  <a:srgbClr val="DADADA"/>
-                </a:solidFill>
-                <a:effectLst/>
-                <a:latin typeface="Consolas" panose="020B0609020204030204" pitchFamily="49" charset="0"/>
-              </a:rPr>
-              <a:t>id</a:t>
-            </a:r>
-            <a:r>
-              <a:rPr lang="en-US" sz="700" b="0" dirty="0">
-                <a:solidFill>
-                  <a:srgbClr val="D4D4D4"/>
-                </a:solidFill>
-                <a:effectLst/>
-                <a:latin typeface="Consolas" panose="020B0609020204030204" pitchFamily="49" charset="0"/>
-              </a:rPr>
-              <a:t> </a:t>
-            </a:r>
-            <a:r>
-              <a:rPr lang="en-US" sz="700" b="0" dirty="0">
-                <a:solidFill>
-                  <a:srgbClr val="B4B4B4"/>
-                </a:solidFill>
-                <a:effectLst/>
-                <a:latin typeface="Consolas" panose="020B0609020204030204" pitchFamily="49" charset="0"/>
-              </a:rPr>
-              <a:t>&lt;&lt;</a:t>
-            </a:r>
-            <a:r>
-              <a:rPr lang="en-US" sz="700" b="0" dirty="0">
-                <a:solidFill>
-                  <a:srgbClr val="D4D4D4"/>
-                </a:solidFill>
-                <a:effectLst/>
-                <a:latin typeface="Consolas" panose="020B0609020204030204" pitchFamily="49" charset="0"/>
-              </a:rPr>
-              <a:t> </a:t>
-            </a:r>
-            <a:r>
-              <a:rPr lang="en-US" sz="700" b="0" dirty="0" err="1">
-                <a:solidFill>
-                  <a:srgbClr val="C8C8C8"/>
-                </a:solidFill>
-                <a:effectLst/>
-                <a:latin typeface="Consolas" panose="020B0609020204030204" pitchFamily="49" charset="0"/>
-              </a:rPr>
-              <a:t>endl</a:t>
-            </a:r>
-            <a:r>
-              <a:rPr lang="en-US" sz="700" b="0" dirty="0">
-                <a:solidFill>
-                  <a:srgbClr val="D4D4D4"/>
-                </a:solidFill>
-                <a:effectLst/>
-                <a:latin typeface="Consolas" panose="020B0609020204030204" pitchFamily="49" charset="0"/>
-              </a:rPr>
-              <a:t>;</a:t>
-            </a:r>
-          </a:p>
-          <a:p>
-            <a:pPr>
-              <a:lnSpc>
-                <a:spcPts val="1425"/>
-              </a:lnSpc>
-              <a:buNone/>
-            </a:pPr>
-            <a:r>
-              <a:rPr lang="en-US" sz="700" b="0" dirty="0">
-                <a:solidFill>
-                  <a:srgbClr val="D4D4D4"/>
-                </a:solidFill>
-                <a:effectLst/>
-                <a:latin typeface="Consolas" panose="020B0609020204030204" pitchFamily="49" charset="0"/>
-              </a:rPr>
-              <a:t>            </a:t>
-            </a:r>
-            <a:r>
-              <a:rPr lang="en-US" sz="700" b="0" dirty="0">
-                <a:solidFill>
-                  <a:srgbClr val="C8C8C8"/>
-                </a:solidFill>
-                <a:effectLst/>
-                <a:latin typeface="Consolas" panose="020B0609020204030204" pitchFamily="49" charset="0"/>
-              </a:rPr>
-              <a:t>cur</a:t>
-            </a:r>
-            <a:r>
-              <a:rPr lang="en-US" sz="700" b="0" dirty="0">
-                <a:solidFill>
-                  <a:srgbClr val="D4D4D4"/>
-                </a:solidFill>
-                <a:effectLst/>
-                <a:latin typeface="Consolas" panose="020B0609020204030204" pitchFamily="49" charset="0"/>
-              </a:rPr>
-              <a:t> = </a:t>
-            </a:r>
-            <a:r>
-              <a:rPr lang="en-US" sz="700" b="0" dirty="0">
-                <a:solidFill>
-                  <a:srgbClr val="C8C8C8"/>
-                </a:solidFill>
-                <a:effectLst/>
-                <a:latin typeface="Consolas" panose="020B0609020204030204" pitchFamily="49" charset="0"/>
-              </a:rPr>
-              <a:t>cur</a:t>
-            </a:r>
-            <a:r>
-              <a:rPr lang="en-US" sz="700" b="0" dirty="0">
-                <a:solidFill>
-                  <a:srgbClr val="D4D4D4"/>
-                </a:solidFill>
-                <a:effectLst/>
-                <a:latin typeface="Consolas" panose="020B0609020204030204" pitchFamily="49" charset="0"/>
-              </a:rPr>
-              <a:t>-&gt;</a:t>
-            </a:r>
-            <a:r>
-              <a:rPr lang="en-US" sz="700" b="0" dirty="0">
-                <a:solidFill>
-                  <a:srgbClr val="DADADA"/>
-                </a:solidFill>
-                <a:effectLst/>
-                <a:latin typeface="Consolas" panose="020B0609020204030204" pitchFamily="49" charset="0"/>
-              </a:rPr>
-              <a:t>next</a:t>
-            </a:r>
-            <a:r>
-              <a:rPr lang="en-US" sz="700" b="0" dirty="0">
-                <a:solidFill>
-                  <a:srgbClr val="D4D4D4"/>
-                </a:solidFill>
-                <a:effectLst/>
-                <a:latin typeface="Consolas" panose="020B0609020204030204" pitchFamily="49" charset="0"/>
-              </a:rPr>
-              <a:t>;</a:t>
-            </a:r>
-          </a:p>
-          <a:p>
-            <a:pPr>
-              <a:lnSpc>
-                <a:spcPts val="1425"/>
-              </a:lnSpc>
-              <a:buNone/>
-            </a:pPr>
-            <a:r>
-              <a:rPr lang="en-US" sz="700" b="0" dirty="0">
-                <a:solidFill>
-                  <a:srgbClr val="D4D4D4"/>
-                </a:solidFill>
-                <a:effectLst/>
-                <a:latin typeface="Consolas" panose="020B0609020204030204" pitchFamily="49" charset="0"/>
-              </a:rPr>
-              <a:t>        }</a:t>
-            </a:r>
-          </a:p>
-          <a:p>
-            <a:pPr>
-              <a:lnSpc>
-                <a:spcPts val="1425"/>
-              </a:lnSpc>
-              <a:buNone/>
-            </a:pPr>
-            <a:r>
-              <a:rPr lang="en-US" sz="700" b="0" dirty="0">
-                <a:solidFill>
-                  <a:srgbClr val="D4D4D4"/>
-                </a:solidFill>
-                <a:effectLst/>
-                <a:latin typeface="Consolas" panose="020B0609020204030204" pitchFamily="49" charset="0"/>
-              </a:rPr>
-              <a:t>    }</a:t>
-            </a:r>
-          </a:p>
-          <a:p>
-            <a:pPr>
-              <a:lnSpc>
-                <a:spcPts val="1425"/>
-              </a:lnSpc>
-              <a:buNone/>
-            </a:pPr>
-            <a:endParaRPr lang="en-US" sz="700" dirty="0">
-              <a:solidFill>
-                <a:srgbClr val="D4D4D4"/>
-              </a:solidFill>
-              <a:latin typeface="Consolas" panose="020B0609020204030204" pitchFamily="49" charset="0"/>
-            </a:endParaRPr>
-          </a:p>
-          <a:p>
-            <a:pPr>
-              <a:lnSpc>
-                <a:spcPts val="1425"/>
-              </a:lnSpc>
-              <a:buNone/>
-            </a:pPr>
-            <a:endParaRPr lang="en-US" sz="700" b="0" dirty="0">
-              <a:solidFill>
-                <a:srgbClr val="D4D4D4"/>
-              </a:solidFill>
-              <a:effectLst/>
-              <a:latin typeface="Consolas" panose="020B0609020204030204" pitchFamily="49" charset="0"/>
-            </a:endParaRPr>
-          </a:p>
-          <a:p>
-            <a:pPr>
-              <a:lnSpc>
-                <a:spcPts val="1425"/>
-              </a:lnSpc>
-              <a:buNone/>
-            </a:pPr>
-            <a:endParaRPr lang="en-US" sz="700" b="0" dirty="0">
+            <a:endParaRPr lang="en-US" sz="1400" b="0" dirty="0">
               <a:solidFill>
                 <a:srgbClr val="D4D4D4"/>
               </a:solidFill>
@@ -8725,8 +8045,8 @@
         </p:nvSpPr>
         <p:spPr>
           <a:xfrm>
-            <a:off x="1371600" y="4539343"/>
-            <a:ext cx="7271657" cy="2133600"/>
+            <a:off x="1371601" y="4539343"/>
+            <a:ext cx="4876799" cy="2133600"/>
           </a:xfrm>
           <a:prstGeom prst="round2DiagRect">
             <a:avLst/>
@@ -8753,7 +8073,159 @@
           <a:lstStyle/>
           <a:p>
             <a:pPr algn="ctr"/>
-            <a:endParaRPr lang="en-PK"/>
+            <a:r>
+              <a:rPr lang="en-US" sz="1200" dirty="0"/>
+              <a:t>I used a </a:t>
+            </a:r>
+            <a:r>
+              <a:rPr lang="en-US" sz="1200" b="1" dirty="0"/>
+              <a:t>linked list</a:t>
+            </a:r>
+            <a:r>
+              <a:rPr lang="en-US" sz="1200" dirty="0"/>
+              <a:t> instead of an array because its size is </a:t>
+            </a:r>
+            <a:r>
+              <a:rPr lang="en-US" sz="1200" b="1" dirty="0"/>
+              <a:t>dynamic</a:t>
+            </a:r>
+            <a:r>
+              <a:rPr lang="en-US" sz="1200" dirty="0"/>
+              <a:t>, and I don’t know how many students will join the queue.</a:t>
+            </a:r>
+            <a:br>
+              <a:rPr lang="en-US" sz="1200" dirty="0"/>
+            </a:br>
+            <a:r>
+              <a:rPr lang="en-US" sz="1200" dirty="0"/>
+              <a:t>When a student leaves or gets served, removing them in a </a:t>
+            </a:r>
+            <a:r>
+              <a:rPr lang="en-US" sz="1200" b="1" dirty="0"/>
+              <a:t>linked list</a:t>
+            </a:r>
+            <a:r>
+              <a:rPr lang="en-US" sz="1200" dirty="0"/>
+              <a:t> is faster and more efficient since it doesn’t require shifting the entire array.</a:t>
+            </a:r>
+            <a:br>
+              <a:rPr lang="en-US" sz="1200" dirty="0"/>
+            </a:br>
+            <a:r>
+              <a:rPr lang="en-US" sz="1200" dirty="0"/>
+              <a:t>As the system only needs to manage the </a:t>
+            </a:r>
+            <a:r>
+              <a:rPr lang="en-US" sz="1200" b="1" dirty="0"/>
+              <a:t>first (head)</a:t>
+            </a:r>
+            <a:r>
+              <a:rPr lang="en-US" sz="1200" dirty="0"/>
+              <a:t> and </a:t>
+            </a:r>
+            <a:r>
+              <a:rPr lang="en-US" sz="1200" b="1" dirty="0"/>
+              <a:t>last (tail)</a:t>
+            </a:r>
+            <a:r>
+              <a:rPr lang="en-US" sz="1200" dirty="0"/>
+              <a:t> student for quick additions and removals, I used pointers for both ends.</a:t>
+            </a:r>
+            <a:br>
+              <a:rPr lang="en-US" sz="1200" dirty="0"/>
+            </a:br>
+            <a:r>
+              <a:rPr lang="en-US" sz="1200" dirty="0"/>
+              <a:t>Overall, I implemented around </a:t>
+            </a:r>
+            <a:r>
+              <a:rPr lang="en-US" sz="1200" b="1" dirty="0"/>
+              <a:t>five to six simple functions</a:t>
+            </a:r>
+            <a:r>
+              <a:rPr lang="en-US" sz="1200" dirty="0"/>
+              <a:t> that fulfill all the program’s requirements efficiently.</a:t>
+            </a:r>
+          </a:p>
+        </p:txBody>
+      </p:sp>
+      <p:pic>
+        <p:nvPicPr>
+          <p:cNvPr id="9" name="Picture 8">
+            <a:extLst>
+              <a:ext uri="{FF2B5EF4-FFF2-40B4-BE49-F238E27FC236}">
+                <a16:creationId xmlns:a16="http://schemas.microsoft.com/office/drawing/2014/main" id="{DC62B26A-C1D1-1281-C075-9C9A25B49527}"/>
+              </a:ext>
+            </a:extLst>
+          </p:cNvPr>
+          <p:cNvPicPr>
+            <a:picLocks noChangeAspect="1"/>
+          </p:cNvPicPr>
+          <p:nvPr/>
+        </p:nvPicPr>
+        <p:blipFill>
+          <a:blip r:embed="rId4"/>
+          <a:stretch>
+            <a:fillRect/>
+          </a:stretch>
+        </p:blipFill>
+        <p:spPr>
+          <a:xfrm>
+            <a:off x="6365703" y="3746126"/>
+            <a:ext cx="2519481" cy="2807074"/>
+          </a:xfrm>
+          <a:prstGeom prst="rect">
+            <a:avLst/>
+          </a:prstGeom>
+        </p:spPr>
+      </p:pic>
+      <p:sp>
+        <p:nvSpPr>
+          <p:cNvPr id="10" name="Arrow: Pentagon 9">
+            <a:extLst>
+              <a:ext uri="{FF2B5EF4-FFF2-40B4-BE49-F238E27FC236}">
+                <a16:creationId xmlns:a16="http://schemas.microsoft.com/office/drawing/2014/main" id="{E9FA3DCD-18C4-AE10-55BB-3F381AD8D2C5}"/>
+              </a:ext>
+            </a:extLst>
+          </p:cNvPr>
+          <p:cNvSpPr/>
+          <p:nvPr/>
+        </p:nvSpPr>
+        <p:spPr>
+          <a:xfrm>
+            <a:off x="5127171" y="3182471"/>
+            <a:ext cx="3624943" cy="447890"/>
+          </a:xfrm>
+          <a:prstGeom prst="homePlate">
+            <a:avLst/>
+          </a:prstGeom>
+        </p:spPr>
+        <p:style>
+          <a:lnRef idx="2">
+            <a:schemeClr val="accent1">
+              <a:shade val="15000"/>
+            </a:schemeClr>
+          </a:lnRef>
+          <a:fillRef idx="1">
+            <a:schemeClr val="accent1"/>
+          </a:fillRef>
+          <a:effectRef idx="0">
+            <a:schemeClr val="accent1"/>
+          </a:effectRef>
+          <a:fontRef idx="minor">
+            <a:schemeClr val="lt1"/>
+          </a:fontRef>
+        </p:style>
+        <p:txBody>
+          <a:bodyPr rtlCol="0" anchor="ctr"/>
+          <a:lstStyle/>
+          <a:p>
+            <a:pPr algn="ctr"/>
+            <a:r>
+              <a:rPr lang="en-US" dirty="0"/>
+              <a:t> User Interface Exactly Looks Like</a:t>
+            </a:r>
+            <a:endParaRPr lang="en-PK" dirty="0"/>
           </a:p>
         </p:txBody>
       </p:sp>
@@ -9562,6 +9034,35 @@
 </file>
 
 <file path=customXml/item1.xml><?xml version="1.0" encoding="utf-8"?>
+<p:properties xmlns:p="http://schemas.microsoft.com/office/2006/metadata/properties" xmlns:xsi="http://www.w3.org/2001/XMLSchema-instance" xmlns:pc="http://schemas.microsoft.com/office/infopath/2007/PartnerControls">
+  <documentManagement>
+    <Background xmlns="71af3243-3dd4-4a8d-8c0d-dd76da1f02a5">false</Background>
+    <Status xmlns="71af3243-3dd4-4a8d-8c0d-dd76da1f02a5">Not started</Status>
+    <_ip_UnifiedCompliancePolicyUIAction xmlns="http://schemas.microsoft.com/sharepoint/v3" xsi:nil="true"/>
+    <Image xmlns="71af3243-3dd4-4a8d-8c0d-dd76da1f02a5">
+      <Url xsi:nil="true"/>
+      <Description xsi:nil="true"/>
+    </Image>
+    <_ip_UnifiedCompliancePolicyProperties xmlns="http://schemas.microsoft.com/sharepoint/v3" xsi:nil="true"/>
+    <ImageTagsTaxHTField xmlns="71af3243-3dd4-4a8d-8c0d-dd76da1f02a5">
+      <Terms xmlns="http://schemas.microsoft.com/office/infopath/2007/PartnerControls"/>
+    </ImageTagsTaxHTField>
+    <TaxCatchAll xmlns="230e9df3-be65-4c73-a93b-d1236ebd677e" xsi:nil="true"/>
+    <MediaServiceKeyPoints xmlns="71af3243-3dd4-4a8d-8c0d-dd76da1f02a5" xsi:nil="true"/>
+  </documentManagement>
+</p:properties>
+</file>
+
+<file path=customXml/item2.xml><?xml version="1.0" encoding="utf-8"?>
+<?mso-contentType ?>
+<FormTemplates xmlns="http://schemas.microsoft.com/sharepoint/v3/contenttype/forms">
+  <Display>DocumentLibraryForm</Display>
+  <Edit>DocumentLibraryForm</Edit>
+  <New>DocumentLibraryForm</New>
+</FormTemplates>
+</file>
+
+<file path=customXml/item3.xml><?xml version="1.0" encoding="utf-8"?>
 <ct:contentTypeSchema xmlns:ct="http://schemas.microsoft.com/office/2006/metadata/contentType" xmlns:ma="http://schemas.microsoft.com/office/2006/metadata/properties/metaAttributes" ct:_="" ma:_="" ma:contentTypeName="Document" ma:contentTypeID="0x01010079F111ED35F8CC479449609E8A0923A6" ma:contentTypeVersion="28" ma:contentTypeDescription="Create a new document." ma:contentTypeScope="" ma:versionID="60f5a4f2d2b0abadcf532d48ebf9cb71">
   <xsd:schema xmlns:xsd="http://www.w3.org/2001/XMLSchema" xmlns:xs="http://www.w3.org/2001/XMLSchema" xmlns:p="http://schemas.microsoft.com/office/2006/metadata/properties" xmlns:ns1="http://schemas.microsoft.com/sharepoint/v3" xmlns:ns2="71af3243-3dd4-4a8d-8c0d-dd76da1f02a5" xmlns:ns3="16c05727-aa75-4e4a-9b5f-8a80a1165891" xmlns:ns4="230e9df3-be65-4c73-a93b-d1236ebd677e" targetNamespace="http://schemas.microsoft.com/office/2006/metadata/properties" ma:root="true" ma:fieldsID="7dd78129e6a1811f84807ad11c651531" ns1:_="" ns2:_="" ns3:_="" ns4:_="">
     <xsd:import namespace="http://schemas.microsoft.com/sharepoint/v3"/>
@@ -9873,36 +9374,27 @@
 </ct:contentTypeSchema>
 </file>
 
-<file path=customXml/item2.xml><?xml version="1.0" encoding="utf-8"?>
-<?mso-contentType ?>
-<FormTemplates xmlns="http://schemas.microsoft.com/sharepoint/v3/contenttype/forms">
-  <Display>DocumentLibraryForm</Display>
-  <Edit>DocumentLibraryForm</Edit>
-  <New>DocumentLibraryForm</New>
-</FormTemplates>
+<file path=customXml/itemProps1.xml><?xml version="1.0" encoding="utf-8"?>
+<ds:datastoreItem xmlns:ds="http://schemas.openxmlformats.org/officeDocument/2006/customXml" ds:itemID="{80D7C3E5-1734-4636-9EC5-AEB06BF1FB20}">
+  <ds:schemaRefs>
+    <ds:schemaRef ds:uri="http://schemas.microsoft.com/office/2006/metadata/properties"/>
+    <ds:schemaRef ds:uri="http://schemas.microsoft.com/office/infopath/2007/PartnerControls"/>
+    <ds:schemaRef ds:uri="71af3243-3dd4-4a8d-8c0d-dd76da1f02a5"/>
+    <ds:schemaRef ds:uri="http://schemas.microsoft.com/sharepoint/v3"/>
+    <ds:schemaRef ds:uri="230e9df3-be65-4c73-a93b-d1236ebd677e"/>
+  </ds:schemaRefs>
+</ds:datastoreItem>
 </file>
 
-<file path=customXml/item3.xml><?xml version="1.0" encoding="utf-8"?>
-<p:properties xmlns:p="http://schemas.microsoft.com/office/2006/metadata/properties" xmlns:xsi="http://www.w3.org/2001/XMLSchema-instance" xmlns:pc="http://schemas.microsoft.com/office/infopath/2007/PartnerControls">
-  <documentManagement>
-    <Background xmlns="71af3243-3dd4-4a8d-8c0d-dd76da1f02a5">false</Background>
-    <Status xmlns="71af3243-3dd4-4a8d-8c0d-dd76da1f02a5">Not started</Status>
-    <_ip_UnifiedCompliancePolicyUIAction xmlns="http://schemas.microsoft.com/sharepoint/v3" xsi:nil="true"/>
-    <Image xmlns="71af3243-3dd4-4a8d-8c0d-dd76da1f02a5">
-      <Url xsi:nil="true"/>
-      <Description xsi:nil="true"/>
-    </Image>
-    <_ip_UnifiedCompliancePolicyProperties xmlns="http://schemas.microsoft.com/sharepoint/v3" xsi:nil="true"/>
-    <ImageTagsTaxHTField xmlns="71af3243-3dd4-4a8d-8c0d-dd76da1f02a5">
-      <Terms xmlns="http://schemas.microsoft.com/office/infopath/2007/PartnerControls"/>
-    </ImageTagsTaxHTField>
-    <TaxCatchAll xmlns="230e9df3-be65-4c73-a93b-d1236ebd677e" xsi:nil="true"/>
-    <MediaServiceKeyPoints xmlns="71af3243-3dd4-4a8d-8c0d-dd76da1f02a5" xsi:nil="true"/>
-  </documentManagement>
-</p:properties>
+<file path=customXml/itemProps2.xml><?xml version="1.0" encoding="utf-8"?>
+<ds:datastoreItem xmlns:ds="http://schemas.openxmlformats.org/officeDocument/2006/customXml" ds:itemID="{4C5C2001-E626-4890-B405-22B5BD1CB05A}">
+  <ds:schemaRefs>
+    <ds:schemaRef ds:uri="http://schemas.microsoft.com/sharepoint/v3/contenttype/forms"/>
+  </ds:schemaRefs>
+</ds:datastoreItem>
 </file>
 
-<file path=customXml/itemProps1.xml><?xml version="1.0" encoding="utf-8"?>
+<file path=customXml/itemProps3.xml><?xml version="1.0" encoding="utf-8"?>
 <ds:datastoreItem xmlns:ds="http://schemas.openxmlformats.org/officeDocument/2006/customXml" ds:itemID="{55453AF4-4FB0-4B39-9296-55DED383E987}">
   <ds:schemaRefs>
     <ds:schemaRef ds:uri="http://schemas.microsoft.com/office/2006/metadata/contentType"/>
@@ -9923,26 +9415,6 @@
 </ds:datastoreItem>
 </file>
 
-<file path=customXml/itemProps2.xml><?xml version="1.0" encoding="utf-8"?>
-<ds:datastoreItem xmlns:ds="http://schemas.openxmlformats.org/officeDocument/2006/customXml" ds:itemID="{4C5C2001-E626-4890-B405-22B5BD1CB05A}">
-  <ds:schemaRefs>
-    <ds:schemaRef ds:uri="http://schemas.microsoft.com/sharepoint/v3/contenttype/forms"/>
-  </ds:schemaRefs>
-</ds:datastoreItem>
-</file>
-
-<file path=customXml/itemProps3.xml><?xml version="1.0" encoding="utf-8"?>
-<ds:datastoreItem xmlns:ds="http://schemas.openxmlformats.org/officeDocument/2006/customXml" ds:itemID="{80D7C3E5-1734-4636-9EC5-AEB06BF1FB20}">
-  <ds:schemaRefs>
-    <ds:schemaRef ds:uri="http://schemas.microsoft.com/office/2006/metadata/properties"/>
-    <ds:schemaRef ds:uri="http://schemas.microsoft.com/office/infopath/2007/PartnerControls"/>
-    <ds:schemaRef ds:uri="71af3243-3dd4-4a8d-8c0d-dd76da1f02a5"/>
-    <ds:schemaRef ds:uri="http://schemas.microsoft.com/sharepoint/v3"/>
-    <ds:schemaRef ds:uri="230e9df3-be65-4c73-a93b-d1236ebd677e"/>
-  </ds:schemaRefs>
-</ds:datastoreItem>
-</file>
-
 <file path=docMetadata/LabelInfo.xml><?xml version="1.0" encoding="utf-8"?>
 <clbl:labelList xmlns:clbl="http://schemas.microsoft.com/office/2020/mipLabelMetadata"/>
 </file>